--- a/report/docs/Thu thập và xử lý bài báo.pptx
+++ b/report/docs/Thu thập và xử lý bài báo.pptx
@@ -5,7 +5,7 @@
     <p:sldMasterId id="2147483708" r:id="rId4"/>
   </p:sldMasterIdLst>
   <p:notesMasterIdLst>
-    <p:notesMasterId r:id="rId24"/>
+    <p:notesMasterId r:id="rId25"/>
   </p:notesMasterIdLst>
   <p:sldIdLst>
     <p:sldId id="256" r:id="rId5"/>
@@ -26,7 +26,8 @@
     <p:sldId id="273" r:id="rId20"/>
     <p:sldId id="275" r:id="rId21"/>
     <p:sldId id="274" r:id="rId22"/>
-    <p:sldId id="270" r:id="rId23"/>
+    <p:sldId id="278" r:id="rId23"/>
+    <p:sldId id="270" r:id="rId24"/>
   </p:sldIdLst>
   <p:sldSz cx="12192000" cy="6858000"/>
   <p:notesSz cx="6858000" cy="9144000"/>
@@ -2022,7 +2023,7 @@
           <a:p>
             <a:fld id="{A83219BE-77EE-4BAD-A5DA-74436D5D886A}" type="datetimeFigureOut">
               <a:rPr lang="en-US" smtClean="0"/>
-              <a:t>12/25/2020</a:t>
+              <a:t>12/27/2020</a:t>
             </a:fld>
             <a:endParaRPr lang="en-US"/>
           </a:p>
@@ -2513,7 +2514,7 @@
           <a:p>
             <a:fld id="{498D2549-97A0-4736-B2FA-B3F2CF624A2F}" type="datetime1">
               <a:rPr lang="en-US" smtClean="0"/>
-              <a:t>12/25/2020</a:t>
+              <a:t>12/27/2020</a:t>
             </a:fld>
             <a:endParaRPr lang="en-US"/>
           </a:p>
@@ -2713,7 +2714,7 @@
           <a:p>
             <a:fld id="{00B90BC8-BD8C-4CB8-92B2-60EED2CEFFA1}" type="datetime1">
               <a:rPr lang="en-US" smtClean="0"/>
-              <a:t>12/25/2020</a:t>
+              <a:t>12/27/2020</a:t>
             </a:fld>
             <a:endParaRPr lang="en-US"/>
           </a:p>
@@ -2967,7 +2968,7 @@
           <a:p>
             <a:fld id="{2515B718-51EA-44E3-A4E4-A0773AAA307B}" type="datetime1">
               <a:rPr lang="en-US" smtClean="0"/>
-              <a:t>12/25/2020</a:t>
+              <a:t>12/27/2020</a:t>
             </a:fld>
             <a:endParaRPr lang="en-US"/>
           </a:p>
@@ -3153,7 +3154,7 @@
           <a:p>
             <a:fld id="{29AD3178-32B3-473A-B5E7-951DBCB29A4E}" type="datetime1">
               <a:rPr lang="en-US" smtClean="0"/>
-              <a:t>12/25/2020</a:t>
+              <a:t>12/27/2020</a:t>
             </a:fld>
             <a:endParaRPr lang="en-US"/>
           </a:p>
@@ -3488,7 +3489,7 @@
           <a:p>
             <a:fld id="{DB1B670B-A064-4EED-AF8B-C9966D2FDAB0}" type="datetime1">
               <a:rPr lang="en-US" smtClean="0"/>
-              <a:t>12/25/2020</a:t>
+              <a:t>12/27/2020</a:t>
             </a:fld>
             <a:endParaRPr lang="en-US"/>
           </a:p>
@@ -3761,7 +3762,7 @@
           <a:p>
             <a:fld id="{AF5B32FB-F959-42EB-A4F7-FB197BC1BB82}" type="datetime1">
               <a:rPr lang="en-US" smtClean="0"/>
-              <a:t>12/25/2020</a:t>
+              <a:t>12/27/2020</a:t>
             </a:fld>
             <a:endParaRPr lang="en-US"/>
           </a:p>
@@ -4137,7 +4138,7 @@
           <a:p>
             <a:fld id="{B49EBF8D-4A25-4AD5-9BF0-E578D87E20CA}" type="datetime1">
               <a:rPr lang="en-US" smtClean="0"/>
-              <a:t>12/25/2020</a:t>
+              <a:t>12/27/2020</a:t>
             </a:fld>
             <a:endParaRPr lang="en-US"/>
           </a:p>
@@ -4256,7 +4257,7 @@
           <a:p>
             <a:fld id="{B668A8CD-24FA-4AF0-9E14-E24081D64A33}" type="datetime1">
               <a:rPr lang="en-US" smtClean="0"/>
-              <a:t>12/25/2020</a:t>
+              <a:t>12/27/2020</a:t>
             </a:fld>
             <a:endParaRPr lang="en-US"/>
           </a:p>
@@ -4427,7 +4428,7 @@
           <a:p>
             <a:fld id="{4D37D3CA-D410-4754-8819-8D580D7F7F5E}" type="datetime1">
               <a:rPr lang="en-US" smtClean="0"/>
-              <a:t>12/25/2020</a:t>
+              <a:t>12/27/2020</a:t>
             </a:fld>
             <a:endParaRPr lang="en-US"/>
           </a:p>
@@ -4779,7 +4780,7 @@
           <a:p>
             <a:fld id="{C4FFA05C-F842-43A1-822D-B360811A3BAB}" type="datetime1">
               <a:rPr lang="en-US" smtClean="0"/>
-              <a:t>12/25/2020</a:t>
+              <a:t>12/27/2020</a:t>
             </a:fld>
             <a:endParaRPr lang="en-US"/>
           </a:p>
@@ -5160,7 +5161,7 @@
           <a:p>
             <a:fld id="{378D730E-7C87-481D-85FF-45AF946837E1}" type="datetime1">
               <a:rPr lang="en-US" smtClean="0"/>
-              <a:t>12/25/2020</a:t>
+              <a:t>12/27/2020</a:t>
             </a:fld>
             <a:endParaRPr lang="en-US"/>
           </a:p>
@@ -5459,7 +5460,7 @@
           <a:p>
             <a:fld id="{B49EBF8D-4A25-4AD5-9BF0-E578D87E20CA}" type="datetime1">
               <a:rPr lang="en-US" smtClean="0"/>
-              <a:t>12/25/2020</a:t>
+              <a:t>12/27/2020</a:t>
             </a:fld>
             <a:endParaRPr lang="en-US"/>
           </a:p>
@@ -6202,7 +6203,7 @@
           <a:p>
             <a:fld id="{935C35D8-CBB7-4FDE-B322-0AC29F5A13EB}" type="datetime1">
               <a:rPr lang="en-US" smtClean="0"/>
-              <a:t>12/25/2020</a:t>
+              <a:t>12/27/2020</a:t>
             </a:fld>
             <a:endParaRPr lang="en-US"/>
           </a:p>
@@ -6361,79 +6362,79 @@
           <a:lstStyle/>
           <a:p>
             <a:r>
-              <a:rPr lang="en-US"/>
-              <a:t>2. Thu </a:t>
-            </a:r>
-            <a:r>
-              <a:rPr lang="en-US" err="1"/>
+              <a:rPr lang="en-US" dirty="0"/>
+              <a:t>3. Thu </a:t>
+            </a:r>
+            <a:r>
+              <a:rPr lang="en-US" dirty="0" err="1"/>
               <a:t>thập</a:t>
             </a:r>
             <a:r>
-              <a:rPr lang="en-US"/>
+              <a:rPr lang="en-US" dirty="0"/>
               <a:t>, </a:t>
             </a:r>
             <a:r>
-              <a:rPr lang="en-US" err="1"/>
+              <a:rPr lang="en-US" dirty="0" err="1"/>
               <a:t>xử</a:t>
             </a:r>
             <a:r>
-              <a:rPr lang="en-US"/>
-              <a:t> </a:t>
-            </a:r>
-            <a:r>
-              <a:rPr lang="en-US" err="1"/>
+              <a:rPr lang="en-US" dirty="0"/>
+              <a:t> </a:t>
+            </a:r>
+            <a:r>
+              <a:rPr lang="en-US" dirty="0" err="1"/>
               <a:t>lý</a:t>
             </a:r>
             <a:r>
-              <a:rPr lang="en-US"/>
-              <a:t> </a:t>
-            </a:r>
-            <a:r>
-              <a:rPr lang="en-US" err="1"/>
+              <a:rPr lang="en-US" dirty="0"/>
+              <a:t> </a:t>
+            </a:r>
+            <a:r>
+              <a:rPr lang="en-US" dirty="0" err="1"/>
               <a:t>và</a:t>
             </a:r>
             <a:r>
-              <a:rPr lang="en-US"/>
+              <a:rPr lang="en-US" dirty="0"/>
               <a:t> l</a:t>
             </a:r>
             <a:r>
-              <a:rPr lang="vi-VN"/>
+              <a:rPr lang="vi-VN" dirty="0"/>
               <a:t>ư</a:t>
             </a:r>
             <a:r>
-              <a:rPr lang="en-US"/>
+              <a:rPr lang="en-US" dirty="0"/>
               <a:t>u </a:t>
             </a:r>
             <a:r>
-              <a:rPr lang="en-US" err="1"/>
+              <a:rPr lang="en-US" dirty="0" err="1"/>
               <a:t>trữ</a:t>
             </a:r>
             <a:r>
-              <a:rPr lang="en-US"/>
-              <a:t> </a:t>
-            </a:r>
-            <a:r>
-              <a:rPr lang="en-US" err="1"/>
+              <a:rPr lang="en-US" dirty="0"/>
+              <a:t> </a:t>
+            </a:r>
+            <a:r>
+              <a:rPr lang="en-US" dirty="0" err="1"/>
               <a:t>dữ</a:t>
             </a:r>
             <a:r>
-              <a:rPr lang="en-US"/>
-              <a:t> </a:t>
-            </a:r>
-            <a:r>
-              <a:rPr lang="en-US" err="1"/>
+              <a:rPr lang="en-US" dirty="0"/>
+              <a:t> </a:t>
+            </a:r>
+            <a:r>
+              <a:rPr lang="en-US" dirty="0" err="1"/>
               <a:t>liệu</a:t>
             </a:r>
             <a:r>
-              <a:rPr lang="en-US"/>
+              <a:rPr lang="en-US" dirty="0"/>
               <a:t> (</a:t>
             </a:r>
             <a:r>
-              <a:rPr lang="en-US" err="1"/>
+              <a:rPr lang="en-US" dirty="0" err="1"/>
               <a:t>tiếp</a:t>
             </a:r>
             <a:r>
-              <a:rPr lang="en-US"/>
+              <a:rPr lang="en-US" dirty="0"/>
               <a:t>)</a:t>
             </a:r>
           </a:p>
@@ -6462,7 +6463,7 @@
           <a:p>
             <a:fld id="{E3695BE4-B744-4AEB-AD65-F48EA43E7529}" type="datetime1">
               <a:rPr lang="en-US" smtClean="0"/>
-              <a:t>12/25/2020</a:t>
+              <a:t>12/27/2020</a:t>
             </a:fld>
             <a:endParaRPr lang="en-US"/>
           </a:p>
@@ -6731,54 +6732,54 @@
           <a:lstStyle/>
           <a:p>
             <a:r>
-              <a:rPr lang="en-US"/>
-              <a:t>3. </a:t>
-            </a:r>
-            <a:r>
-              <a:rPr lang="en-US" err="1"/>
+              <a:rPr lang="en-US" dirty="0"/>
+              <a:t>4. </a:t>
+            </a:r>
+            <a:r>
+              <a:rPr lang="en-US" dirty="0" err="1"/>
               <a:t>Phân</a:t>
             </a:r>
             <a:r>
-              <a:rPr lang="en-US"/>
-              <a:t> </a:t>
-            </a:r>
-            <a:r>
-              <a:rPr lang="en-US" err="1"/>
+              <a:rPr lang="en-US" dirty="0"/>
+              <a:t> </a:t>
+            </a:r>
+            <a:r>
+              <a:rPr lang="en-US" dirty="0" err="1"/>
               <a:t>loại</a:t>
             </a:r>
             <a:r>
-              <a:rPr lang="en-US"/>
-              <a:t> </a:t>
-            </a:r>
-            <a:r>
-              <a:rPr lang="en-US" err="1"/>
+              <a:rPr lang="en-US" dirty="0"/>
+              <a:t> </a:t>
+            </a:r>
+            <a:r>
+              <a:rPr lang="en-US" dirty="0" err="1"/>
               <a:t>văn</a:t>
             </a:r>
             <a:r>
-              <a:rPr lang="en-US"/>
-              <a:t> </a:t>
-            </a:r>
-            <a:r>
-              <a:rPr lang="en-US" err="1"/>
+              <a:rPr lang="en-US" dirty="0"/>
+              <a:t> </a:t>
+            </a:r>
+            <a:r>
+              <a:rPr lang="en-US" dirty="0" err="1"/>
               <a:t>bản</a:t>
             </a:r>
             <a:r>
-              <a:rPr lang="en-US"/>
-              <a:t> </a:t>
-            </a:r>
-            <a:r>
-              <a:rPr lang="en-US" err="1"/>
+              <a:rPr lang="en-US" dirty="0"/>
+              <a:t> </a:t>
+            </a:r>
+            <a:r>
+              <a:rPr lang="en-US" dirty="0" err="1"/>
               <a:t>với</a:t>
             </a:r>
             <a:r>
-              <a:rPr lang="en-US"/>
+              <a:rPr lang="en-US" dirty="0"/>
               <a:t> Spark </a:t>
             </a:r>
             <a:r>
-              <a:rPr lang="en-US" err="1"/>
+              <a:rPr lang="en-US" dirty="0" err="1"/>
               <a:t>MLlib</a:t>
             </a:r>
-            <a:endParaRPr lang="en-US"/>
+            <a:endParaRPr lang="en-US" dirty="0"/>
           </a:p>
         </p:txBody>
       </p:sp>
@@ -7027,7 +7028,7 @@
           <a:p>
             <a:fld id="{29AD3178-32B3-473A-B5E7-951DBCB29A4E}" type="datetime1">
               <a:rPr lang="en-US" smtClean="0"/>
-              <a:t>12/25/2020</a:t>
+              <a:t>12/27/2020</a:t>
             </a:fld>
             <a:endParaRPr lang="en-US"/>
           </a:p>
@@ -7230,49 +7231,54 @@
           <a:lstStyle/>
           <a:p>
             <a:r>
-              <a:rPr lang="en-US"/>
-              <a:t>3. </a:t>
-            </a:r>
-            <a:r>
-              <a:rPr lang="en-US" err="1"/>
+              <a:rPr lang="en-US" dirty="0"/>
+              <a:t>4. </a:t>
+            </a:r>
+            <a:r>
+              <a:rPr lang="en-US" dirty="0" err="1"/>
               <a:t>Phân</a:t>
             </a:r>
             <a:r>
-              <a:rPr lang="en-US"/>
-              <a:t> </a:t>
-            </a:r>
-            <a:r>
-              <a:rPr lang="en-US" err="1"/>
+              <a:rPr lang="en-US" dirty="0"/>
+              <a:t> </a:t>
+            </a:r>
+            <a:r>
+              <a:rPr lang="en-US" dirty="0" err="1"/>
               <a:t>loại</a:t>
             </a:r>
             <a:r>
-              <a:rPr lang="en-US"/>
-              <a:t> </a:t>
-            </a:r>
-            <a:r>
-              <a:rPr lang="en-US" err="1"/>
+              <a:rPr lang="en-US" dirty="0"/>
+              <a:t> </a:t>
+            </a:r>
+            <a:r>
+              <a:rPr lang="en-US" dirty="0" err="1"/>
               <a:t>văn</a:t>
             </a:r>
             <a:r>
-              <a:rPr lang="en-US"/>
-              <a:t> </a:t>
-            </a:r>
-            <a:r>
-              <a:rPr lang="en-US" err="1"/>
+              <a:rPr lang="en-US" dirty="0"/>
+              <a:t> </a:t>
+            </a:r>
+            <a:r>
+              <a:rPr lang="en-US" dirty="0" err="1"/>
               <a:t>bản</a:t>
             </a:r>
             <a:r>
-              <a:rPr lang="en-US"/>
-              <a:t> </a:t>
-            </a:r>
-            <a:r>
-              <a:rPr lang="en-US" err="1"/>
+              <a:rPr lang="en-US" dirty="0"/>
+              <a:t> </a:t>
+            </a:r>
+            <a:r>
+              <a:rPr lang="en-US" dirty="0" err="1"/>
               <a:t>với</a:t>
             </a:r>
             <a:r>
-              <a:rPr lang="en-US"/>
-              <a:t> Spark MLlib</a:t>
-            </a:r>
+              <a:rPr lang="en-US" dirty="0"/>
+              <a:t> Spark </a:t>
+            </a:r>
+            <a:r>
+              <a:rPr lang="en-US" dirty="0" err="1"/>
+              <a:t>MLlib</a:t>
+            </a:r>
+            <a:endParaRPr lang="en-US" dirty="0"/>
           </a:p>
         </p:txBody>
       </p:sp>
@@ -7299,7 +7305,7 @@
           <a:p>
             <a:fld id="{29AD3178-32B3-473A-B5E7-951DBCB29A4E}" type="datetime1">
               <a:rPr lang="en-US" smtClean="0"/>
-              <a:t>12/25/2020</a:t>
+              <a:t>12/27/2020</a:t>
             </a:fld>
             <a:endParaRPr lang="en-US"/>
           </a:p>
@@ -7734,54 +7740,54 @@
           <a:lstStyle/>
           <a:p>
             <a:r>
-              <a:rPr lang="en-US"/>
-              <a:t>3. </a:t>
-            </a:r>
-            <a:r>
-              <a:rPr lang="en-US" err="1"/>
+              <a:rPr lang="en-US" dirty="0"/>
+              <a:t>4. </a:t>
+            </a:r>
+            <a:r>
+              <a:rPr lang="en-US" dirty="0" err="1"/>
               <a:t>Phân</a:t>
             </a:r>
             <a:r>
-              <a:rPr lang="en-US"/>
-              <a:t> </a:t>
-            </a:r>
-            <a:r>
-              <a:rPr lang="en-US" err="1"/>
+              <a:rPr lang="en-US" dirty="0"/>
+              <a:t> </a:t>
+            </a:r>
+            <a:r>
+              <a:rPr lang="en-US" dirty="0" err="1"/>
               <a:t>loại</a:t>
             </a:r>
             <a:r>
-              <a:rPr lang="en-US"/>
-              <a:t> </a:t>
-            </a:r>
-            <a:r>
-              <a:rPr lang="en-US" err="1"/>
+              <a:rPr lang="en-US" dirty="0"/>
+              <a:t> </a:t>
+            </a:r>
+            <a:r>
+              <a:rPr lang="en-US" dirty="0" err="1"/>
               <a:t>văn</a:t>
             </a:r>
             <a:r>
-              <a:rPr lang="en-US"/>
-              <a:t> </a:t>
-            </a:r>
-            <a:r>
-              <a:rPr lang="en-US" err="1"/>
+              <a:rPr lang="en-US" dirty="0"/>
+              <a:t> </a:t>
+            </a:r>
+            <a:r>
+              <a:rPr lang="en-US" dirty="0" err="1"/>
               <a:t>bản</a:t>
             </a:r>
             <a:r>
-              <a:rPr lang="en-US"/>
-              <a:t> </a:t>
-            </a:r>
-            <a:r>
-              <a:rPr lang="en-US" err="1"/>
+              <a:rPr lang="en-US" dirty="0"/>
+              <a:t> </a:t>
+            </a:r>
+            <a:r>
+              <a:rPr lang="en-US" dirty="0" err="1"/>
               <a:t>với</a:t>
             </a:r>
             <a:r>
-              <a:rPr lang="en-US"/>
+              <a:rPr lang="en-US" dirty="0"/>
               <a:t> Spark </a:t>
             </a:r>
             <a:r>
-              <a:rPr lang="en-US" err="1"/>
+              <a:rPr lang="en-US" dirty="0" err="1"/>
               <a:t>MLlib</a:t>
             </a:r>
-            <a:endParaRPr lang="en-US"/>
+            <a:endParaRPr lang="en-US" dirty="0"/>
           </a:p>
         </p:txBody>
       </p:sp>
@@ -7812,163 +7818,195 @@
           <a:lstStyle/>
           <a:p>
             <a:r>
-              <a:rPr lang="en-US"/>
+              <a:rPr lang="en-US" dirty="0"/>
               <a:t>Vector </a:t>
             </a:r>
             <a:r>
-              <a:rPr lang="en-US" err="1"/>
+              <a:rPr lang="en-US" dirty="0" err="1"/>
               <a:t>hóa</a:t>
             </a:r>
             <a:r>
-              <a:rPr lang="en-US"/>
-              <a:t> </a:t>
-            </a:r>
-            <a:r>
-              <a:rPr lang="en-US" err="1"/>
+              <a:rPr lang="en-US" dirty="0"/>
+              <a:t> </a:t>
+            </a:r>
+            <a:r>
+              <a:rPr lang="en-US" dirty="0" err="1"/>
               <a:t>đầu</a:t>
             </a:r>
             <a:r>
-              <a:rPr lang="en-US"/>
-              <a:t> </a:t>
-            </a:r>
-            <a:r>
-              <a:rPr lang="en-US" err="1"/>
+              <a:rPr lang="en-US" dirty="0"/>
+              <a:t> </a:t>
+            </a:r>
+            <a:r>
+              <a:rPr lang="en-US" dirty="0" err="1"/>
               <a:t>vào</a:t>
             </a:r>
             <a:r>
-              <a:rPr lang="en-US"/>
+              <a:rPr lang="en-US" dirty="0"/>
               <a:t>: </a:t>
             </a:r>
             <a:r>
-              <a:rPr lang="en-US" err="1"/>
+              <a:rPr lang="en-US" dirty="0" err="1"/>
               <a:t>CountVectorizer</a:t>
             </a:r>
-            <a:endParaRPr lang="en-US"/>
-          </a:p>
-          <a:p>
-            <a:r>
-              <a:rPr lang="en-US" err="1"/>
+            <a:endParaRPr lang="en-US" dirty="0"/>
+          </a:p>
+          <a:p>
+            <a:r>
+              <a:rPr lang="en-US" dirty="0" err="1"/>
               <a:t>Thuật</a:t>
             </a:r>
             <a:r>
-              <a:rPr lang="en-US"/>
-              <a:t> </a:t>
-            </a:r>
-            <a:r>
-              <a:rPr lang="en-US" err="1"/>
+              <a:rPr lang="en-US" dirty="0"/>
+              <a:t> </a:t>
+            </a:r>
+            <a:r>
+              <a:rPr lang="en-US" dirty="0" err="1"/>
               <a:t>toán</a:t>
             </a:r>
             <a:r>
-              <a:rPr lang="en-US"/>
-              <a:t> </a:t>
-            </a:r>
-            <a:r>
-              <a:rPr lang="en-US" err="1"/>
+              <a:rPr lang="en-US" dirty="0"/>
+              <a:t> </a:t>
+            </a:r>
+            <a:r>
+              <a:rPr lang="en-US" dirty="0" err="1"/>
               <a:t>sử</a:t>
             </a:r>
             <a:r>
-              <a:rPr lang="en-US"/>
-              <a:t> </a:t>
-            </a:r>
-            <a:r>
-              <a:rPr lang="en-US" err="1"/>
+              <a:rPr lang="en-US" dirty="0"/>
+              <a:t> </a:t>
+            </a:r>
+            <a:r>
+              <a:rPr lang="en-US" dirty="0" err="1"/>
               <a:t>dụng</a:t>
             </a:r>
             <a:r>
-              <a:rPr lang="en-US"/>
+              <a:rPr lang="en-US" dirty="0"/>
               <a:t>: Naïve Bayes</a:t>
             </a:r>
           </a:p>
           <a:p>
             <a:r>
-              <a:rPr lang="en-US" err="1"/>
+              <a:rPr lang="en-US" dirty="0" err="1"/>
               <a:t>Kết</a:t>
             </a:r>
             <a:r>
-              <a:rPr lang="en-US"/>
-              <a:t> </a:t>
-            </a:r>
-            <a:r>
-              <a:rPr lang="en-US" err="1"/>
+              <a:rPr lang="en-US" dirty="0"/>
+              <a:t> </a:t>
+            </a:r>
+            <a:r>
+              <a:rPr lang="en-US" dirty="0" err="1"/>
               <a:t>quả</a:t>
             </a:r>
             <a:r>
-              <a:rPr lang="en-US"/>
+              <a:rPr lang="en-US" dirty="0"/>
               <a:t>: </a:t>
             </a:r>
           </a:p>
           <a:p>
             <a:pPr lvl="1"/>
             <a:r>
-              <a:rPr lang="en-US" err="1"/>
+              <a:rPr lang="en-US" dirty="0" err="1">
+                <a:highlight>
+                  <a:srgbClr val="FFFF00"/>
+                </a:highlight>
+              </a:rPr>
               <a:t>Thời</a:t>
             </a:r>
             <a:r>
-              <a:rPr lang="en-US"/>
-              <a:t> </a:t>
-            </a:r>
-            <a:r>
-              <a:rPr lang="en-US" err="1"/>
+              <a:rPr lang="en-US" dirty="0">
+                <a:highlight>
+                  <a:srgbClr val="FFFF00"/>
+                </a:highlight>
+              </a:rPr>
+              <a:t> </a:t>
+            </a:r>
+            <a:r>
+              <a:rPr lang="en-US" dirty="0" err="1">
+                <a:highlight>
+                  <a:srgbClr val="FFFF00"/>
+                </a:highlight>
+              </a:rPr>
               <a:t>gian</a:t>
             </a:r>
             <a:r>
-              <a:rPr lang="en-US"/>
-              <a:t> </a:t>
-            </a:r>
-            <a:r>
-              <a:rPr lang="en-US" err="1"/>
+              <a:rPr lang="en-US" dirty="0">
+                <a:highlight>
+                  <a:srgbClr val="FFFF00"/>
+                </a:highlight>
+              </a:rPr>
+              <a:t> </a:t>
+            </a:r>
+            <a:r>
+              <a:rPr lang="en-US" dirty="0" err="1">
+                <a:highlight>
+                  <a:srgbClr val="FFFF00"/>
+                </a:highlight>
+              </a:rPr>
               <a:t>xử</a:t>
             </a:r>
             <a:r>
-              <a:rPr lang="en-US"/>
-              <a:t> </a:t>
-            </a:r>
-            <a:r>
-              <a:rPr lang="en-US" err="1"/>
+              <a:rPr lang="en-US" dirty="0">
+                <a:highlight>
+                  <a:srgbClr val="FFFF00"/>
+                </a:highlight>
+              </a:rPr>
+              <a:t> </a:t>
+            </a:r>
+            <a:r>
+              <a:rPr lang="en-US" dirty="0" err="1">
+                <a:highlight>
+                  <a:srgbClr val="FFFF00"/>
+                </a:highlight>
+              </a:rPr>
               <a:t>lý</a:t>
             </a:r>
-            <a:endParaRPr lang="en-US"/>
+            <a:endParaRPr lang="en-US" dirty="0">
+              <a:highlight>
+                <a:srgbClr val="FFFF00"/>
+              </a:highlight>
+            </a:endParaRPr>
           </a:p>
           <a:p>
             <a:pPr lvl="1"/>
             <a:r>
-              <a:rPr lang="en-US" err="1"/>
+              <a:rPr lang="en-US" dirty="0" err="1"/>
               <a:t>Độ</a:t>
             </a:r>
             <a:r>
-              <a:rPr lang="en-US"/>
-              <a:t> </a:t>
-            </a:r>
-            <a:r>
-              <a:rPr lang="en-US" err="1"/>
+              <a:rPr lang="en-US" dirty="0"/>
+              <a:t> </a:t>
+            </a:r>
+            <a:r>
+              <a:rPr lang="en-US" dirty="0" err="1"/>
               <a:t>chính</a:t>
             </a:r>
             <a:r>
-              <a:rPr lang="en-US"/>
-              <a:t> </a:t>
-            </a:r>
-            <a:r>
-              <a:rPr lang="en-US" err="1"/>
+              <a:rPr lang="en-US" dirty="0"/>
+              <a:t> </a:t>
+            </a:r>
+            <a:r>
+              <a:rPr lang="en-US" dirty="0" err="1"/>
               <a:t>xác</a:t>
             </a:r>
             <a:r>
-              <a:rPr lang="en-US"/>
+              <a:rPr lang="en-US" dirty="0"/>
               <a:t> (accuracy): 76.85% </a:t>
             </a:r>
             <a:r>
-              <a:rPr lang="en-US" err="1"/>
+              <a:rPr lang="en-US" dirty="0" err="1"/>
               <a:t>trên</a:t>
             </a:r>
             <a:r>
-              <a:rPr lang="en-US"/>
-              <a:t> </a:t>
-            </a:r>
-            <a:r>
-              <a:rPr lang="en-US" err="1"/>
+              <a:rPr lang="en-US" dirty="0"/>
+              <a:t> </a:t>
+            </a:r>
+            <a:r>
+              <a:rPr lang="en-US" dirty="0" err="1"/>
               <a:t>tập</a:t>
             </a:r>
             <a:r>
-              <a:rPr lang="en-US"/>
+              <a:rPr lang="en-US" dirty="0"/>
               <a:t> test</a:t>
             </a:r>
           </a:p>
@@ -7997,7 +8035,7 @@
           <a:p>
             <a:fld id="{29AD3178-32B3-473A-B5E7-951DBCB29A4E}" type="datetime1">
               <a:rPr lang="en-US" smtClean="0"/>
-              <a:t>12/25/2020</a:t>
+              <a:t>12/27/2020</a:t>
             </a:fld>
             <a:endParaRPr lang="en-US"/>
           </a:p>
@@ -8087,47 +8125,47 @@
           <a:lstStyle/>
           <a:p>
             <a:r>
-              <a:rPr lang="en-US"/>
-              <a:t>4. </a:t>
-            </a:r>
-            <a:r>
-              <a:rPr lang="en-US" err="1"/>
-              <a:t>quản</a:t>
-            </a:r>
-            <a:r>
-              <a:rPr lang="en-US"/>
-              <a:t> </a:t>
-            </a:r>
-            <a:r>
-              <a:rPr lang="en-US" err="1"/>
+              <a:rPr lang="en-US" dirty="0"/>
+              <a:t>5. </a:t>
+            </a:r>
+            <a:r>
+              <a:rPr lang="en-US" dirty="0" err="1"/>
+              <a:t>Quản</a:t>
+            </a:r>
+            <a:r>
+              <a:rPr lang="en-US" dirty="0"/>
+              <a:t> </a:t>
+            </a:r>
+            <a:r>
+              <a:rPr lang="en-US" dirty="0" err="1"/>
               <a:t>lý</a:t>
             </a:r>
             <a:r>
-              <a:rPr lang="en-US"/>
-              <a:t> </a:t>
-            </a:r>
-            <a:r>
-              <a:rPr lang="en-US" err="1"/>
+              <a:rPr lang="en-US" dirty="0"/>
+              <a:t> </a:t>
+            </a:r>
+            <a:r>
+              <a:rPr lang="en-US" dirty="0" err="1"/>
               <a:t>dữ</a:t>
             </a:r>
             <a:r>
-              <a:rPr lang="en-US"/>
-              <a:t> </a:t>
-            </a:r>
-            <a:r>
-              <a:rPr lang="en-US" err="1"/>
+              <a:rPr lang="en-US" dirty="0"/>
+              <a:t> </a:t>
+            </a:r>
+            <a:r>
+              <a:rPr lang="en-US" dirty="0" err="1"/>
               <a:t>liệu</a:t>
             </a:r>
             <a:r>
-              <a:rPr lang="en-US"/>
-              <a:t> </a:t>
-            </a:r>
-            <a:r>
-              <a:rPr lang="en-US" err="1"/>
+              <a:rPr lang="en-US" dirty="0"/>
+              <a:t> </a:t>
+            </a:r>
+            <a:r>
+              <a:rPr lang="en-US" dirty="0" err="1"/>
               <a:t>với</a:t>
             </a:r>
             <a:r>
-              <a:rPr lang="en-US"/>
+              <a:rPr lang="en-US" dirty="0"/>
               <a:t> ELK stack</a:t>
             </a:r>
           </a:p>
@@ -8185,7 +8223,7 @@
           <a:p>
             <a:fld id="{29AD3178-32B3-473A-B5E7-951DBCB29A4E}" type="datetime1">
               <a:rPr lang="en-US" smtClean="0"/>
-              <a:t>12/25/2020</a:t>
+              <a:t>12/27/2020</a:t>
             </a:fld>
             <a:endParaRPr lang="en-US"/>
           </a:p>
@@ -8401,47 +8439,47 @@
           <a:lstStyle/>
           <a:p>
             <a:r>
-              <a:rPr lang="en-US"/>
-              <a:t>4. </a:t>
-            </a:r>
-            <a:r>
-              <a:rPr lang="en-US" err="1"/>
+              <a:rPr lang="en-US" dirty="0"/>
+              <a:t>5. </a:t>
+            </a:r>
+            <a:r>
+              <a:rPr lang="en-US" dirty="0" err="1"/>
               <a:t>Quản</a:t>
             </a:r>
             <a:r>
-              <a:rPr lang="en-US"/>
-              <a:t> </a:t>
-            </a:r>
-            <a:r>
-              <a:rPr lang="en-US" err="1"/>
+              <a:rPr lang="en-US" dirty="0"/>
+              <a:t> </a:t>
+            </a:r>
+            <a:r>
+              <a:rPr lang="en-US" dirty="0" err="1"/>
               <a:t>lý</a:t>
             </a:r>
             <a:r>
-              <a:rPr lang="en-US"/>
-              <a:t> </a:t>
-            </a:r>
-            <a:r>
-              <a:rPr lang="en-US" err="1"/>
+              <a:rPr lang="en-US" dirty="0"/>
+              <a:t> </a:t>
+            </a:r>
+            <a:r>
+              <a:rPr lang="en-US" dirty="0" err="1"/>
               <a:t>dữ</a:t>
             </a:r>
             <a:r>
-              <a:rPr lang="en-US"/>
-              <a:t> </a:t>
-            </a:r>
-            <a:r>
-              <a:rPr lang="en-US" err="1"/>
+              <a:rPr lang="en-US" dirty="0"/>
+              <a:t> </a:t>
+            </a:r>
+            <a:r>
+              <a:rPr lang="en-US" dirty="0" err="1"/>
               <a:t>liệu</a:t>
             </a:r>
             <a:r>
-              <a:rPr lang="en-US"/>
-              <a:t> </a:t>
-            </a:r>
-            <a:r>
-              <a:rPr lang="en-US" err="1"/>
+              <a:rPr lang="en-US" dirty="0"/>
+              <a:t> </a:t>
+            </a:r>
+            <a:r>
+              <a:rPr lang="en-US" dirty="0" err="1"/>
               <a:t>với</a:t>
             </a:r>
             <a:r>
-              <a:rPr lang="en-US"/>
+              <a:rPr lang="en-US" dirty="0"/>
               <a:t> ELK stack</a:t>
             </a:r>
           </a:p>
@@ -8548,7 +8586,7 @@
           <a:p>
             <a:fld id="{29AD3178-32B3-473A-B5E7-951DBCB29A4E}" type="datetime1">
               <a:rPr lang="en-US" smtClean="0"/>
-              <a:t>12/25/2020</a:t>
+              <a:t>12/27/2020</a:t>
             </a:fld>
             <a:endParaRPr lang="en-US"/>
           </a:p>
@@ -8679,47 +8717,47 @@
           <a:lstStyle/>
           <a:p>
             <a:r>
-              <a:rPr lang="en-US"/>
-              <a:t>4. </a:t>
-            </a:r>
-            <a:r>
-              <a:rPr lang="en-US" err="1"/>
+              <a:rPr lang="en-US" dirty="0"/>
+              <a:t>5. </a:t>
+            </a:r>
+            <a:r>
+              <a:rPr lang="en-US" dirty="0" err="1"/>
               <a:t>quản</a:t>
             </a:r>
             <a:r>
-              <a:rPr lang="en-US"/>
-              <a:t> </a:t>
-            </a:r>
-            <a:r>
-              <a:rPr lang="en-US" err="1"/>
+              <a:rPr lang="en-US" dirty="0"/>
+              <a:t> </a:t>
+            </a:r>
+            <a:r>
+              <a:rPr lang="en-US" dirty="0" err="1"/>
               <a:t>lý</a:t>
             </a:r>
             <a:r>
-              <a:rPr lang="en-US"/>
-              <a:t> </a:t>
-            </a:r>
-            <a:r>
-              <a:rPr lang="en-US" err="1"/>
+              <a:rPr lang="en-US" dirty="0"/>
+              <a:t> </a:t>
+            </a:r>
+            <a:r>
+              <a:rPr lang="en-US" dirty="0" err="1"/>
               <a:t>dữ</a:t>
             </a:r>
             <a:r>
-              <a:rPr lang="en-US"/>
-              <a:t> </a:t>
-            </a:r>
-            <a:r>
-              <a:rPr lang="en-US" err="1"/>
+              <a:rPr lang="en-US" dirty="0"/>
+              <a:t> </a:t>
+            </a:r>
+            <a:r>
+              <a:rPr lang="en-US" dirty="0" err="1"/>
               <a:t>liệu</a:t>
             </a:r>
             <a:r>
-              <a:rPr lang="en-US"/>
-              <a:t> </a:t>
-            </a:r>
-            <a:r>
-              <a:rPr lang="en-US" err="1"/>
+              <a:rPr lang="en-US" dirty="0"/>
+              <a:t> </a:t>
+            </a:r>
+            <a:r>
+              <a:rPr lang="en-US" dirty="0" err="1"/>
               <a:t>với</a:t>
             </a:r>
             <a:r>
-              <a:rPr lang="en-US"/>
+              <a:rPr lang="en-US" dirty="0"/>
               <a:t> ELK stack</a:t>
             </a:r>
           </a:p>
@@ -8776,7 +8814,7 @@
           <a:p>
             <a:fld id="{29AD3178-32B3-473A-B5E7-951DBCB29A4E}" type="datetime1">
               <a:rPr lang="en-US" smtClean="0"/>
-              <a:t>12/25/2020</a:t>
+              <a:t>12/27/2020</a:t>
             </a:fld>
             <a:endParaRPr lang="en-US"/>
           </a:p>
@@ -9032,47 +9070,47 @@
           <a:lstStyle/>
           <a:p>
             <a:r>
-              <a:rPr lang="en-US"/>
-              <a:t>4. </a:t>
-            </a:r>
-            <a:r>
-              <a:rPr lang="en-US" err="1"/>
+              <a:rPr lang="en-US" dirty="0"/>
+              <a:t>5. </a:t>
+            </a:r>
+            <a:r>
+              <a:rPr lang="en-US" dirty="0" err="1"/>
               <a:t>Quản</a:t>
             </a:r>
             <a:r>
-              <a:rPr lang="en-US"/>
-              <a:t> </a:t>
-            </a:r>
-            <a:r>
-              <a:rPr lang="en-US" err="1"/>
+              <a:rPr lang="en-US" dirty="0"/>
+              <a:t> </a:t>
+            </a:r>
+            <a:r>
+              <a:rPr lang="en-US" dirty="0" err="1"/>
               <a:t>lý</a:t>
             </a:r>
             <a:r>
-              <a:rPr lang="en-US"/>
-              <a:t> </a:t>
-            </a:r>
-            <a:r>
-              <a:rPr lang="en-US" err="1"/>
+              <a:rPr lang="en-US" dirty="0"/>
+              <a:t> </a:t>
+            </a:r>
+            <a:r>
+              <a:rPr lang="en-US" dirty="0" err="1"/>
               <a:t>dữ</a:t>
             </a:r>
             <a:r>
-              <a:rPr lang="en-US"/>
-              <a:t> </a:t>
-            </a:r>
-            <a:r>
-              <a:rPr lang="en-US" err="1"/>
+              <a:rPr lang="en-US" dirty="0"/>
+              <a:t> </a:t>
+            </a:r>
+            <a:r>
+              <a:rPr lang="en-US" dirty="0" err="1"/>
               <a:t>liệu</a:t>
             </a:r>
             <a:r>
-              <a:rPr lang="en-US"/>
-              <a:t> </a:t>
-            </a:r>
-            <a:r>
-              <a:rPr lang="en-US" err="1"/>
+              <a:rPr lang="en-US" dirty="0"/>
+              <a:t> </a:t>
+            </a:r>
+            <a:r>
+              <a:rPr lang="en-US" dirty="0" err="1"/>
               <a:t>với</a:t>
             </a:r>
             <a:r>
-              <a:rPr lang="en-US"/>
+              <a:rPr lang="en-US" dirty="0"/>
               <a:t> ELK stack</a:t>
             </a:r>
           </a:p>
@@ -9129,7 +9167,7 @@
           <a:p>
             <a:fld id="{29AD3178-32B3-473A-B5E7-951DBCB29A4E}" type="datetime1">
               <a:rPr lang="en-US" smtClean="0"/>
-              <a:t>12/25/2020</a:t>
+              <a:t>12/27/2020</a:t>
             </a:fld>
             <a:endParaRPr lang="en-US"/>
           </a:p>
@@ -9378,47 +9416,47 @@
           <a:lstStyle/>
           <a:p>
             <a:r>
-              <a:rPr lang="en-US"/>
-              <a:t>4. </a:t>
-            </a:r>
-            <a:r>
-              <a:rPr lang="en-US" err="1"/>
+              <a:rPr lang="en-US" dirty="0"/>
+              <a:t>5. </a:t>
+            </a:r>
+            <a:r>
+              <a:rPr lang="en-US" dirty="0" err="1"/>
               <a:t>Quản</a:t>
             </a:r>
             <a:r>
-              <a:rPr lang="en-US"/>
-              <a:t> </a:t>
-            </a:r>
-            <a:r>
-              <a:rPr lang="en-US" err="1"/>
+              <a:rPr lang="en-US" dirty="0"/>
+              <a:t> </a:t>
+            </a:r>
+            <a:r>
+              <a:rPr lang="en-US" dirty="0" err="1"/>
               <a:t>lý</a:t>
             </a:r>
             <a:r>
-              <a:rPr lang="en-US"/>
-              <a:t> </a:t>
-            </a:r>
-            <a:r>
-              <a:rPr lang="en-US" err="1"/>
+              <a:rPr lang="en-US" dirty="0"/>
+              <a:t> </a:t>
+            </a:r>
+            <a:r>
+              <a:rPr lang="en-US" dirty="0" err="1"/>
               <a:t>dữ</a:t>
             </a:r>
             <a:r>
-              <a:rPr lang="en-US"/>
-              <a:t> </a:t>
-            </a:r>
-            <a:r>
-              <a:rPr lang="en-US" err="1"/>
+              <a:rPr lang="en-US" dirty="0"/>
+              <a:t> </a:t>
+            </a:r>
+            <a:r>
+              <a:rPr lang="en-US" dirty="0" err="1"/>
               <a:t>liệu</a:t>
             </a:r>
             <a:r>
-              <a:rPr lang="en-US"/>
-              <a:t> </a:t>
-            </a:r>
-            <a:r>
-              <a:rPr lang="en-US" err="1"/>
+              <a:rPr lang="en-US" dirty="0"/>
+              <a:t> </a:t>
+            </a:r>
+            <a:r>
+              <a:rPr lang="en-US" dirty="0" err="1"/>
               <a:t>với</a:t>
             </a:r>
             <a:r>
-              <a:rPr lang="en-US"/>
+              <a:rPr lang="en-US" dirty="0"/>
               <a:t> ELK stack</a:t>
             </a:r>
           </a:p>
@@ -9478,7 +9516,7 @@
           <a:p>
             <a:fld id="{29AD3178-32B3-473A-B5E7-951DBCB29A4E}" type="datetime1">
               <a:rPr lang="en-US" smtClean="0"/>
-              <a:t>12/25/2020</a:t>
+              <a:t>12/27/2020</a:t>
             </a:fld>
             <a:endParaRPr lang="en-US"/>
           </a:p>
@@ -9720,10 +9758,53 @@
       </p:grpSpPr>
       <p:sp>
         <p:nvSpPr>
+          <p:cNvPr id="2" name="Title 1">
+            <a:extLst>
+              <a:ext uri="{FF2B5EF4-FFF2-40B4-BE49-F238E27FC236}">
+                <a16:creationId xmlns:a16="http://schemas.microsoft.com/office/drawing/2014/main" id="{95B0D7AC-F73C-4DB6-BC54-0A95ACE67753}"/>
+              </a:ext>
+            </a:extLst>
+          </p:cNvPr>
+          <p:cNvSpPr>
+            <a:spLocks noGrp="1"/>
+          </p:cNvSpPr>
+          <p:nvPr>
+            <p:ph type="title"/>
+          </p:nvPr>
+        </p:nvSpPr>
+        <p:spPr/>
+        <p:txBody>
+          <a:bodyPr>
+            <a:normAutofit fontScale="90000"/>
+          </a:bodyPr>
+          <a:lstStyle/>
+          <a:p>
+            <a:r>
+              <a:rPr lang="en-US" dirty="0"/>
+              <a:t>6. </a:t>
+            </a:r>
+            <a:r>
+              <a:rPr lang="en-US" dirty="0" err="1"/>
+              <a:t>Tổng</a:t>
+            </a:r>
+            <a:r>
+              <a:rPr lang="en-US" dirty="0"/>
+              <a:t> </a:t>
+            </a:r>
+            <a:r>
+              <a:rPr lang="en-US" dirty="0" err="1"/>
+              <a:t>kết</a:t>
+            </a:r>
+            <a:endParaRPr lang="en-US" dirty="0"/>
+          </a:p>
+        </p:txBody>
+      </p:sp>
+      <p:sp>
+        <p:nvSpPr>
           <p:cNvPr id="3" name="Content Placeholder 2">
             <a:extLst>
               <a:ext uri="{FF2B5EF4-FFF2-40B4-BE49-F238E27FC236}">
-                <a16:creationId xmlns:a16="http://schemas.microsoft.com/office/drawing/2014/main" id="{6DA17323-4CCA-4FC2-9708-A20C44A1DD17}"/>
+                <a16:creationId xmlns:a16="http://schemas.microsoft.com/office/drawing/2014/main" id="{A1543455-E07C-45D7-B830-A86B372D6E6D}"/>
               </a:ext>
             </a:extLst>
           </p:cNvPr>
@@ -9734,25 +9815,702 @@
             <p:ph idx="1"/>
           </p:nvPr>
         </p:nvSpPr>
-        <p:spPr>
-          <a:xfrm>
-            <a:off x="2231136" y="2817778"/>
-            <a:ext cx="7729728" cy="3101983"/>
-          </a:xfrm>
-        </p:spPr>
+        <p:spPr/>
         <p:txBody>
-          <a:bodyPr>
-            <a:normAutofit/>
-          </a:bodyPr>
+          <a:bodyPr/>
           <a:lstStyle/>
           <a:p>
-            <a:pPr marL="0" indent="0" algn="ctr">
+            <a:r>
+              <a:rPr lang="en-US" dirty="0" err="1"/>
+              <a:t>Các</a:t>
+            </a:r>
+            <a:r>
+              <a:rPr lang="en-US" dirty="0"/>
+              <a:t> </a:t>
+            </a:r>
+            <a:r>
+              <a:rPr lang="en-US" dirty="0" err="1"/>
+              <a:t>khả</a:t>
+            </a:r>
+            <a:r>
+              <a:rPr lang="en-US" dirty="0"/>
+              <a:t> </a:t>
+            </a:r>
+            <a:r>
+              <a:rPr lang="en-US" dirty="0" err="1"/>
+              <a:t>năng</a:t>
+            </a:r>
+            <a:r>
+              <a:rPr lang="en-US" dirty="0"/>
+              <a:t> </a:t>
+            </a:r>
+            <a:r>
+              <a:rPr lang="en-US" dirty="0" err="1"/>
+              <a:t>hệ</a:t>
+            </a:r>
+            <a:r>
+              <a:rPr lang="en-US" dirty="0"/>
+              <a:t> </a:t>
+            </a:r>
+            <a:r>
+              <a:rPr lang="en-US" dirty="0" err="1"/>
+              <a:t>thống</a:t>
+            </a:r>
+            <a:r>
+              <a:rPr lang="en-US" dirty="0"/>
+              <a:t> </a:t>
+            </a:r>
+            <a:r>
+              <a:rPr lang="en-US" dirty="0" err="1"/>
+              <a:t>đã</a:t>
+            </a:r>
+            <a:r>
+              <a:rPr lang="en-US" dirty="0"/>
+              <a:t> </a:t>
+            </a:r>
+            <a:r>
+              <a:rPr lang="en-US" dirty="0" err="1"/>
+              <a:t>đạt</a:t>
+            </a:r>
+            <a:r>
+              <a:rPr lang="en-US" dirty="0"/>
+              <a:t> đ</a:t>
+            </a:r>
+            <a:r>
+              <a:rPr lang="vi-VN" dirty="0"/>
+              <a:t>ư</a:t>
+            </a:r>
+            <a:r>
+              <a:rPr lang="en-US" dirty="0" err="1"/>
+              <a:t>ợc</a:t>
+            </a:r>
+            <a:r>
+              <a:rPr lang="en-US" dirty="0"/>
+              <a:t>:</a:t>
+            </a:r>
+          </a:p>
+          <a:p>
+            <a:pPr lvl="1"/>
+            <a:r>
+              <a:rPr lang="en-US" dirty="0"/>
+              <a:t>L</a:t>
+            </a:r>
+            <a:r>
+              <a:rPr lang="vi-VN" dirty="0"/>
+              <a:t>ư</a:t>
+            </a:r>
+            <a:r>
+              <a:rPr lang="en-US" dirty="0"/>
+              <a:t>u </a:t>
+            </a:r>
+            <a:r>
+              <a:rPr lang="en-US" dirty="0" err="1"/>
+              <a:t>trữ</a:t>
+            </a:r>
+            <a:r>
+              <a:rPr lang="en-US" dirty="0"/>
+              <a:t> </a:t>
+            </a:r>
+            <a:r>
+              <a:rPr lang="en-US" dirty="0" err="1"/>
+              <a:t>dữ</a:t>
+            </a:r>
+            <a:r>
+              <a:rPr lang="en-US" dirty="0"/>
+              <a:t> </a:t>
+            </a:r>
+            <a:r>
+              <a:rPr lang="en-US" dirty="0" err="1"/>
+              <a:t>liệu</a:t>
+            </a:r>
+            <a:r>
+              <a:rPr lang="en-US" dirty="0"/>
+              <a:t> </a:t>
+            </a:r>
+            <a:r>
+              <a:rPr lang="en-US" dirty="0" err="1"/>
+              <a:t>ổn</a:t>
+            </a:r>
+            <a:r>
+              <a:rPr lang="en-US" dirty="0"/>
+              <a:t> </a:t>
+            </a:r>
+            <a:r>
+              <a:rPr lang="en-US" dirty="0" err="1"/>
+              <a:t>định</a:t>
+            </a:r>
+            <a:r>
+              <a:rPr lang="en-US" dirty="0"/>
+              <a:t>, </a:t>
+            </a:r>
+            <a:r>
+              <a:rPr lang="en-US" dirty="0" err="1"/>
+              <a:t>tính</a:t>
+            </a:r>
+            <a:r>
+              <a:rPr lang="en-US" dirty="0"/>
+              <a:t> </a:t>
+            </a:r>
+            <a:r>
+              <a:rPr lang="en-US" dirty="0" err="1"/>
+              <a:t>sẵn</a:t>
+            </a:r>
+            <a:r>
+              <a:rPr lang="en-US" dirty="0"/>
+              <a:t> </a:t>
+            </a:r>
+            <a:r>
+              <a:rPr lang="en-US" dirty="0" err="1"/>
+              <a:t>sàng</a:t>
+            </a:r>
+            <a:r>
+              <a:rPr lang="en-US" dirty="0"/>
+              <a:t> </a:t>
+            </a:r>
+            <a:r>
+              <a:rPr lang="en-US" dirty="0" err="1"/>
+              <a:t>cao</a:t>
+            </a:r>
+            <a:endParaRPr lang="en-US" dirty="0"/>
+          </a:p>
+          <a:p>
+            <a:pPr lvl="1"/>
+            <a:r>
+              <a:rPr lang="en-US" dirty="0" err="1"/>
+              <a:t>Phân</a:t>
+            </a:r>
+            <a:r>
+              <a:rPr lang="en-US" dirty="0"/>
+              <a:t> </a:t>
+            </a:r>
+            <a:r>
+              <a:rPr lang="en-US" dirty="0" err="1"/>
+              <a:t>loại</a:t>
+            </a:r>
+            <a:r>
+              <a:rPr lang="en-US" dirty="0"/>
+              <a:t> </a:t>
+            </a:r>
+            <a:r>
+              <a:rPr lang="en-US" dirty="0" err="1"/>
+              <a:t>văn</a:t>
+            </a:r>
+            <a:r>
+              <a:rPr lang="en-US" dirty="0"/>
+              <a:t> </a:t>
+            </a:r>
+            <a:r>
+              <a:rPr lang="en-US" dirty="0" err="1"/>
+              <a:t>bản</a:t>
+            </a:r>
+            <a:r>
+              <a:rPr lang="en-US" dirty="0"/>
+              <a:t> </a:t>
+            </a:r>
+            <a:r>
+              <a:rPr lang="en-US" dirty="0" err="1"/>
+              <a:t>với</a:t>
+            </a:r>
+            <a:r>
+              <a:rPr lang="en-US" dirty="0"/>
+              <a:t> </a:t>
+            </a:r>
+            <a:r>
+              <a:rPr lang="en-US" dirty="0" err="1"/>
+              <a:t>dữ</a:t>
+            </a:r>
+            <a:r>
+              <a:rPr lang="en-US" dirty="0"/>
+              <a:t> </a:t>
+            </a:r>
+            <a:r>
+              <a:rPr lang="en-US" dirty="0" err="1"/>
+              <a:t>liệu</a:t>
+            </a:r>
+            <a:r>
+              <a:rPr lang="en-US" dirty="0"/>
+              <a:t> </a:t>
+            </a:r>
+            <a:r>
+              <a:rPr lang="en-US" dirty="0" err="1"/>
+              <a:t>lớn</a:t>
+            </a:r>
+            <a:r>
+              <a:rPr lang="en-US" dirty="0"/>
+              <a:t>, </a:t>
+            </a:r>
+            <a:r>
+              <a:rPr lang="en-US" dirty="0" err="1"/>
+              <a:t>tốc</a:t>
+            </a:r>
+            <a:r>
+              <a:rPr lang="en-US" dirty="0"/>
+              <a:t> </a:t>
+            </a:r>
+            <a:r>
+              <a:rPr lang="en-US" dirty="0" err="1"/>
+              <a:t>độ</a:t>
+            </a:r>
+            <a:r>
+              <a:rPr lang="en-US" dirty="0"/>
+              <a:t> </a:t>
+            </a:r>
+            <a:r>
+              <a:rPr lang="en-US" dirty="0" err="1"/>
+              <a:t>cao</a:t>
+            </a:r>
+            <a:endParaRPr lang="en-US" dirty="0"/>
+          </a:p>
+          <a:p>
+            <a:pPr lvl="1"/>
+            <a:r>
+              <a:rPr lang="en-US" dirty="0" err="1"/>
+              <a:t>Quản</a:t>
+            </a:r>
+            <a:r>
+              <a:rPr lang="en-US" dirty="0"/>
+              <a:t> </a:t>
+            </a:r>
+            <a:r>
+              <a:rPr lang="en-US" dirty="0" err="1"/>
+              <a:t>lý</a:t>
+            </a:r>
+            <a:r>
+              <a:rPr lang="en-US" dirty="0"/>
+              <a:t>, </a:t>
+            </a:r>
+            <a:r>
+              <a:rPr lang="en-US" dirty="0" err="1"/>
+              <a:t>trực</a:t>
+            </a:r>
+            <a:r>
+              <a:rPr lang="en-US" dirty="0"/>
+              <a:t> </a:t>
+            </a:r>
+            <a:r>
+              <a:rPr lang="en-US" dirty="0" err="1"/>
+              <a:t>quan</a:t>
+            </a:r>
+            <a:r>
+              <a:rPr lang="en-US" dirty="0"/>
+              <a:t> </a:t>
+            </a:r>
+            <a:r>
+              <a:rPr lang="en-US" dirty="0" err="1"/>
+              <a:t>hóa</a:t>
+            </a:r>
+            <a:r>
+              <a:rPr lang="en-US" dirty="0"/>
+              <a:t> </a:t>
+            </a:r>
+            <a:r>
+              <a:rPr lang="en-US" dirty="0" err="1"/>
+              <a:t>dữ</a:t>
+            </a:r>
+            <a:r>
+              <a:rPr lang="en-US" dirty="0"/>
+              <a:t> </a:t>
+            </a:r>
+            <a:r>
+              <a:rPr lang="en-US" dirty="0" err="1"/>
+              <a:t>liệu</a:t>
+            </a:r>
+            <a:r>
+              <a:rPr lang="en-US" dirty="0"/>
+              <a:t> </a:t>
+            </a:r>
+            <a:r>
+              <a:rPr lang="en-US" dirty="0" err="1"/>
+              <a:t>tự</a:t>
+            </a:r>
+            <a:r>
+              <a:rPr lang="en-US" dirty="0"/>
+              <a:t> </a:t>
+            </a:r>
+            <a:r>
+              <a:rPr lang="en-US" dirty="0" err="1"/>
+              <a:t>động</a:t>
+            </a:r>
+            <a:endParaRPr lang="en-US" dirty="0"/>
+          </a:p>
+          <a:p>
+            <a:pPr lvl="1"/>
+            <a:r>
+              <a:rPr lang="en-US" dirty="0"/>
+              <a:t>…</a:t>
+            </a:r>
+          </a:p>
+          <a:p>
+            <a:r>
+              <a:rPr lang="en-US" dirty="0" err="1"/>
+              <a:t>Một</a:t>
+            </a:r>
+            <a:r>
+              <a:rPr lang="en-US" dirty="0"/>
+              <a:t> </a:t>
+            </a:r>
+            <a:r>
+              <a:rPr lang="en-US" dirty="0" err="1"/>
+              <a:t>số</a:t>
+            </a:r>
+            <a:r>
+              <a:rPr lang="en-US" dirty="0"/>
+              <a:t> </a:t>
+            </a:r>
+            <a:r>
+              <a:rPr lang="en-US" dirty="0" err="1"/>
+              <a:t>hạn</a:t>
+            </a:r>
+            <a:r>
+              <a:rPr lang="en-US" dirty="0"/>
+              <a:t> </a:t>
+            </a:r>
+            <a:r>
+              <a:rPr lang="en-US" dirty="0" err="1"/>
+              <a:t>chế</a:t>
+            </a:r>
+            <a:r>
+              <a:rPr lang="en-US" dirty="0"/>
+              <a:t> </a:t>
+            </a:r>
+            <a:r>
+              <a:rPr lang="en-US" dirty="0" err="1"/>
+              <a:t>và</a:t>
+            </a:r>
+            <a:r>
+              <a:rPr lang="en-US" dirty="0"/>
+              <a:t> h</a:t>
+            </a:r>
+            <a:r>
+              <a:rPr lang="vi-VN" dirty="0"/>
+              <a:t>ư</a:t>
+            </a:r>
+            <a:r>
+              <a:rPr lang="en-US" dirty="0" err="1"/>
+              <a:t>ớng</a:t>
+            </a:r>
+            <a:r>
+              <a:rPr lang="en-US" dirty="0"/>
+              <a:t> </a:t>
+            </a:r>
+            <a:r>
+              <a:rPr lang="en-US" dirty="0" err="1"/>
+              <a:t>cải</a:t>
+            </a:r>
+            <a:r>
+              <a:rPr lang="en-US" dirty="0"/>
+              <a:t> </a:t>
+            </a:r>
+            <a:r>
+              <a:rPr lang="en-US" dirty="0" err="1"/>
+              <a:t>thiện</a:t>
+            </a:r>
+            <a:endParaRPr lang="en-US" dirty="0"/>
+          </a:p>
+          <a:p>
+            <a:pPr lvl="1"/>
+            <a:r>
+              <a:rPr lang="en-US" dirty="0"/>
+              <a:t>Logstash </a:t>
+            </a:r>
+            <a:r>
+              <a:rPr lang="en-US" dirty="0" err="1"/>
+              <a:t>đọc</a:t>
+            </a:r>
+            <a:r>
+              <a:rPr lang="en-US" dirty="0"/>
+              <a:t> </a:t>
+            </a:r>
+            <a:r>
+              <a:rPr lang="en-US" dirty="0" err="1"/>
+              <a:t>dữ</a:t>
+            </a:r>
+            <a:r>
+              <a:rPr lang="en-US" dirty="0"/>
+              <a:t> </a:t>
+            </a:r>
+            <a:r>
+              <a:rPr lang="en-US" dirty="0" err="1"/>
+              <a:t>liệu</a:t>
+            </a:r>
+            <a:r>
+              <a:rPr lang="en-US" dirty="0"/>
+              <a:t> </a:t>
+            </a:r>
+            <a:r>
+              <a:rPr lang="en-US" dirty="0" err="1"/>
+              <a:t>từ</a:t>
+            </a:r>
+            <a:r>
+              <a:rPr lang="en-US" dirty="0"/>
+              <a:t> Local</a:t>
+            </a:r>
+          </a:p>
+          <a:p>
+            <a:pPr marL="201168" lvl="1" indent="0">
               <a:buNone/>
             </a:pPr>
             <a:r>
-              <a:rPr lang="en-US" sz="9600"/>
-              <a:t>Thank you</a:t>
-            </a:r>
+              <a:rPr lang="en-US" dirty="0">
+                <a:sym typeface="Wingdings" panose="05000000000000000000" pitchFamily="2" charset="2"/>
+              </a:rPr>
+              <a:t>	</a:t>
+            </a:r>
+            <a:r>
+              <a:rPr lang="en-US" dirty="0" err="1">
+                <a:sym typeface="Wingdings" panose="05000000000000000000" pitchFamily="2" charset="2"/>
+              </a:rPr>
+              <a:t>Chuyển</a:t>
+            </a:r>
+            <a:r>
+              <a:rPr lang="en-US" dirty="0">
+                <a:sym typeface="Wingdings" panose="05000000000000000000" pitchFamily="2" charset="2"/>
+              </a:rPr>
+              <a:t> sang </a:t>
+            </a:r>
+            <a:r>
+              <a:rPr lang="en-US" dirty="0" err="1">
+                <a:sym typeface="Wingdings" panose="05000000000000000000" pitchFamily="2" charset="2"/>
+              </a:rPr>
+              <a:t>đọc</a:t>
+            </a:r>
+            <a:r>
+              <a:rPr lang="en-US" dirty="0">
+                <a:sym typeface="Wingdings" panose="05000000000000000000" pitchFamily="2" charset="2"/>
+              </a:rPr>
+              <a:t> </a:t>
+            </a:r>
+            <a:r>
+              <a:rPr lang="en-US" dirty="0" err="1">
+                <a:sym typeface="Wingdings" panose="05000000000000000000" pitchFamily="2" charset="2"/>
+              </a:rPr>
+              <a:t>dữ</a:t>
+            </a:r>
+            <a:r>
+              <a:rPr lang="en-US" dirty="0">
+                <a:sym typeface="Wingdings" panose="05000000000000000000" pitchFamily="2" charset="2"/>
+              </a:rPr>
+              <a:t> </a:t>
+            </a:r>
+            <a:r>
+              <a:rPr lang="en-US" dirty="0" err="1">
+                <a:sym typeface="Wingdings" panose="05000000000000000000" pitchFamily="2" charset="2"/>
+              </a:rPr>
+              <a:t>liệu</a:t>
+            </a:r>
+            <a:r>
+              <a:rPr lang="en-US" dirty="0">
+                <a:sym typeface="Wingdings" panose="05000000000000000000" pitchFamily="2" charset="2"/>
+              </a:rPr>
+              <a:t> </a:t>
+            </a:r>
+            <a:r>
+              <a:rPr lang="en-US" dirty="0" err="1">
+                <a:sym typeface="Wingdings" panose="05000000000000000000" pitchFamily="2" charset="2"/>
+              </a:rPr>
+              <a:t>từ</a:t>
+            </a:r>
+            <a:r>
+              <a:rPr lang="en-US" dirty="0">
+                <a:sym typeface="Wingdings" panose="05000000000000000000" pitchFamily="2" charset="2"/>
+              </a:rPr>
+              <a:t> Hive </a:t>
+            </a:r>
+            <a:r>
+              <a:rPr lang="en-US" dirty="0" err="1">
+                <a:sym typeface="Wingdings" panose="05000000000000000000" pitchFamily="2" charset="2"/>
+              </a:rPr>
+              <a:t>hoặc</a:t>
+            </a:r>
+            <a:r>
+              <a:rPr lang="en-US" dirty="0">
+                <a:sym typeface="Wingdings" panose="05000000000000000000" pitchFamily="2" charset="2"/>
+              </a:rPr>
+              <a:t> </a:t>
+            </a:r>
+            <a:r>
+              <a:rPr lang="en-US" dirty="0" err="1">
+                <a:sym typeface="Wingdings" panose="05000000000000000000" pitchFamily="2" charset="2"/>
+              </a:rPr>
+              <a:t>WebHdfs</a:t>
+            </a:r>
+            <a:endParaRPr lang="en-US" dirty="0"/>
+          </a:p>
+          <a:p>
+            <a:pPr lvl="1"/>
+            <a:r>
+              <a:rPr lang="en-US" dirty="0" err="1"/>
+              <a:t>Chất</a:t>
+            </a:r>
+            <a:r>
+              <a:rPr lang="en-US" dirty="0"/>
+              <a:t> l</a:t>
+            </a:r>
+            <a:r>
+              <a:rPr lang="vi-VN" dirty="0"/>
+              <a:t>ư</a:t>
+            </a:r>
+            <a:r>
+              <a:rPr lang="en-US" dirty="0" err="1"/>
+              <a:t>ợng</a:t>
+            </a:r>
+            <a:r>
+              <a:rPr lang="en-US" dirty="0"/>
+              <a:t> </a:t>
+            </a:r>
+            <a:r>
+              <a:rPr lang="en-US" dirty="0" err="1"/>
+              <a:t>mô</a:t>
+            </a:r>
+            <a:r>
+              <a:rPr lang="en-US" dirty="0"/>
+              <a:t> </a:t>
+            </a:r>
+            <a:r>
+              <a:rPr lang="en-US" dirty="0" err="1"/>
+              <a:t>hình</a:t>
+            </a:r>
+            <a:r>
+              <a:rPr lang="en-US" dirty="0"/>
+              <a:t> </a:t>
+            </a:r>
+            <a:r>
+              <a:rPr lang="en-US" dirty="0" err="1"/>
+              <a:t>phân</a:t>
+            </a:r>
+            <a:r>
+              <a:rPr lang="en-US" dirty="0"/>
+              <a:t> </a:t>
+            </a:r>
+            <a:r>
+              <a:rPr lang="en-US" dirty="0" err="1"/>
+              <a:t>loại</a:t>
+            </a:r>
+            <a:r>
+              <a:rPr lang="en-US" dirty="0"/>
+              <a:t> </a:t>
+            </a:r>
+            <a:r>
+              <a:rPr lang="en-US" dirty="0" err="1"/>
+              <a:t>văn</a:t>
+            </a:r>
+            <a:r>
+              <a:rPr lang="en-US" dirty="0"/>
+              <a:t> </a:t>
+            </a:r>
+            <a:r>
+              <a:rPr lang="en-US" dirty="0" err="1"/>
+              <a:t>bản</a:t>
+            </a:r>
+            <a:r>
+              <a:rPr lang="en-US" dirty="0"/>
+              <a:t> </a:t>
+            </a:r>
+            <a:r>
+              <a:rPr lang="en-US" dirty="0" err="1"/>
+              <a:t>ch</a:t>
+            </a:r>
+            <a:r>
+              <a:rPr lang="vi-VN" dirty="0"/>
+              <a:t>ư</a:t>
+            </a:r>
+            <a:r>
+              <a:rPr lang="en-US" dirty="0"/>
+              <a:t>a </a:t>
+            </a:r>
+            <a:r>
+              <a:rPr lang="en-US" dirty="0" err="1"/>
+              <a:t>cao</a:t>
+            </a:r>
+            <a:endParaRPr lang="en-US" dirty="0"/>
+          </a:p>
+          <a:p>
+            <a:pPr marL="201168" lvl="1" indent="0">
+              <a:buNone/>
+            </a:pPr>
+            <a:r>
+              <a:rPr lang="en-US" dirty="0">
+                <a:sym typeface="Wingdings" panose="05000000000000000000" pitchFamily="2" charset="2"/>
+              </a:rPr>
+              <a:t>	</a:t>
+            </a:r>
+            <a:r>
+              <a:rPr lang="en-US" dirty="0" err="1">
+                <a:sym typeface="Wingdings" panose="05000000000000000000" pitchFamily="2" charset="2"/>
+              </a:rPr>
+              <a:t>Tối</a:t>
+            </a:r>
+            <a:r>
+              <a:rPr lang="en-US" dirty="0">
+                <a:sym typeface="Wingdings" panose="05000000000000000000" pitchFamily="2" charset="2"/>
+              </a:rPr>
+              <a:t> </a:t>
+            </a:r>
+            <a:r>
+              <a:rPr lang="vi-VN" dirty="0">
+                <a:sym typeface="Wingdings" panose="05000000000000000000" pitchFamily="2" charset="2"/>
+              </a:rPr>
+              <a:t>ư</a:t>
+            </a:r>
+            <a:r>
+              <a:rPr lang="en-US" dirty="0">
+                <a:sym typeface="Wingdings" panose="05000000000000000000" pitchFamily="2" charset="2"/>
+              </a:rPr>
+              <a:t>u </a:t>
+            </a:r>
+            <a:r>
+              <a:rPr lang="en-US" dirty="0" err="1">
+                <a:sym typeface="Wingdings" panose="05000000000000000000" pitchFamily="2" charset="2"/>
+              </a:rPr>
+              <a:t>tham</a:t>
+            </a:r>
+            <a:r>
+              <a:rPr lang="en-US" dirty="0">
+                <a:sym typeface="Wingdings" panose="05000000000000000000" pitchFamily="2" charset="2"/>
+              </a:rPr>
+              <a:t> </a:t>
+            </a:r>
+            <a:r>
+              <a:rPr lang="en-US" dirty="0" err="1">
+                <a:sym typeface="Wingdings" panose="05000000000000000000" pitchFamily="2" charset="2"/>
+              </a:rPr>
+              <a:t>số</a:t>
+            </a:r>
+            <a:r>
+              <a:rPr lang="en-US" dirty="0">
+                <a:sym typeface="Wingdings" panose="05000000000000000000" pitchFamily="2" charset="2"/>
+              </a:rPr>
+              <a:t>, </a:t>
+            </a:r>
+            <a:r>
+              <a:rPr lang="en-US" dirty="0" err="1">
+                <a:sym typeface="Wingdings" panose="05000000000000000000" pitchFamily="2" charset="2"/>
+              </a:rPr>
+              <a:t>thêm</a:t>
+            </a:r>
+            <a:r>
+              <a:rPr lang="en-US" dirty="0">
+                <a:sym typeface="Wingdings" panose="05000000000000000000" pitchFamily="2" charset="2"/>
+              </a:rPr>
+              <a:t> </a:t>
+            </a:r>
+            <a:r>
+              <a:rPr lang="en-US" dirty="0" err="1">
+                <a:sym typeface="Wingdings" panose="05000000000000000000" pitchFamily="2" charset="2"/>
+              </a:rPr>
+              <a:t>stopsword</a:t>
+            </a:r>
+            <a:r>
+              <a:rPr lang="en-US" dirty="0">
+                <a:sym typeface="Wingdings" panose="05000000000000000000" pitchFamily="2" charset="2"/>
+              </a:rPr>
+              <a:t>…</a:t>
+            </a:r>
+            <a:endParaRPr lang="en-US" dirty="0"/>
+          </a:p>
+          <a:p>
+            <a:pPr lvl="1"/>
+            <a:endParaRPr lang="en-US" dirty="0"/>
           </a:p>
         </p:txBody>
       </p:sp>
@@ -9761,7 +10519,7 @@
           <p:cNvPr id="4" name="Date Placeholder 3">
             <a:extLst>
               <a:ext uri="{FF2B5EF4-FFF2-40B4-BE49-F238E27FC236}">
-                <a16:creationId xmlns:a16="http://schemas.microsoft.com/office/drawing/2014/main" id="{A64DD06D-9E31-4448-8947-8C88FAF25C4D}"/>
+                <a16:creationId xmlns:a16="http://schemas.microsoft.com/office/drawing/2014/main" id="{C52A5B6A-660F-4EE9-8704-D1BA02E934AF}"/>
               </a:ext>
             </a:extLst>
           </p:cNvPr>
@@ -9779,7 +10537,7 @@
           <a:p>
             <a:fld id="{29AD3178-32B3-473A-B5E7-951DBCB29A4E}" type="datetime1">
               <a:rPr lang="en-US" smtClean="0"/>
-              <a:t>12/25/2020</a:t>
+              <a:t>12/27/2020</a:t>
             </a:fld>
             <a:endParaRPr lang="en-US"/>
           </a:p>
@@ -9790,7 +10548,7 @@
           <p:cNvPr id="5" name="Slide Number Placeholder 4">
             <a:extLst>
               <a:ext uri="{FF2B5EF4-FFF2-40B4-BE49-F238E27FC236}">
-                <a16:creationId xmlns:a16="http://schemas.microsoft.com/office/drawing/2014/main" id="{88548BB9-64F6-4A20-A50A-89D5EDD12592}"/>
+                <a16:creationId xmlns:a16="http://schemas.microsoft.com/office/drawing/2014/main" id="{247AABAE-6EFB-4009-9C14-0E17B3AFDA2B}"/>
               </a:ext>
             </a:extLst>
           </p:cNvPr>
@@ -9818,7 +10576,7 @@
     </p:spTree>
     <p:extLst>
       <p:ext uri="{BB962C8B-B14F-4D97-AF65-F5344CB8AC3E}">
-        <p14:creationId xmlns:p14="http://schemas.microsoft.com/office/powerpoint/2010/main" val="508117067"/>
+        <p14:creationId xmlns:p14="http://schemas.microsoft.com/office/powerpoint/2010/main" val="2695985431"/>
       </p:ext>
     </p:extLst>
   </p:cSld>
@@ -10119,7 +10877,7 @@
           <a:p>
             <a:fld id="{CC77FCD4-17B6-4A19-A1FE-D14BF43CD6EC}" type="datetime1">
               <a:rPr lang="en-US" smtClean="0"/>
-              <a:t>12/25/2020</a:t>
+              <a:t>12/27/2020</a:t>
             </a:fld>
             <a:endParaRPr lang="en-US"/>
           </a:p>
@@ -10159,6 +10917,133 @@
     <p:extLst>
       <p:ext uri="{BB962C8B-B14F-4D97-AF65-F5344CB8AC3E}">
         <p14:creationId xmlns:p14="http://schemas.microsoft.com/office/powerpoint/2010/main" val="994099668"/>
+      </p:ext>
+    </p:extLst>
+  </p:cSld>
+  <p:clrMapOvr>
+    <a:masterClrMapping/>
+  </p:clrMapOvr>
+</p:sld>
+</file>
+
+<file path=ppt/slides/slide20.xml><?xml version="1.0" encoding="utf-8"?>
+<p:sld xmlns:a="http://schemas.openxmlformats.org/drawingml/2006/main" xmlns:r="http://schemas.openxmlformats.org/officeDocument/2006/relationships" xmlns:p="http://schemas.openxmlformats.org/presentationml/2006/main">
+  <p:cSld>
+    <p:spTree>
+      <p:nvGrpSpPr>
+        <p:cNvPr id="1" name=""/>
+        <p:cNvGrpSpPr/>
+        <p:nvPr/>
+      </p:nvGrpSpPr>
+      <p:grpSpPr>
+        <a:xfrm>
+          <a:off x="0" y="0"/>
+          <a:ext cx="0" cy="0"/>
+          <a:chOff x="0" y="0"/>
+          <a:chExt cx="0" cy="0"/>
+        </a:xfrm>
+      </p:grpSpPr>
+      <p:sp>
+        <p:nvSpPr>
+          <p:cNvPr id="3" name="Content Placeholder 2">
+            <a:extLst>
+              <a:ext uri="{FF2B5EF4-FFF2-40B4-BE49-F238E27FC236}">
+                <a16:creationId xmlns:a16="http://schemas.microsoft.com/office/drawing/2014/main" id="{6DA17323-4CCA-4FC2-9708-A20C44A1DD17}"/>
+              </a:ext>
+            </a:extLst>
+          </p:cNvPr>
+          <p:cNvSpPr>
+            <a:spLocks noGrp="1"/>
+          </p:cNvSpPr>
+          <p:nvPr>
+            <p:ph idx="1"/>
+          </p:nvPr>
+        </p:nvSpPr>
+        <p:spPr>
+          <a:xfrm>
+            <a:off x="2231136" y="2817778"/>
+            <a:ext cx="7729728" cy="3101983"/>
+          </a:xfrm>
+        </p:spPr>
+        <p:txBody>
+          <a:bodyPr>
+            <a:normAutofit/>
+          </a:bodyPr>
+          <a:lstStyle/>
+          <a:p>
+            <a:pPr marL="0" indent="0" algn="ctr">
+              <a:buNone/>
+            </a:pPr>
+            <a:r>
+              <a:rPr lang="en-US" sz="9600"/>
+              <a:t>Thank you</a:t>
+            </a:r>
+          </a:p>
+        </p:txBody>
+      </p:sp>
+      <p:sp>
+        <p:nvSpPr>
+          <p:cNvPr id="4" name="Date Placeholder 3">
+            <a:extLst>
+              <a:ext uri="{FF2B5EF4-FFF2-40B4-BE49-F238E27FC236}">
+                <a16:creationId xmlns:a16="http://schemas.microsoft.com/office/drawing/2014/main" id="{A64DD06D-9E31-4448-8947-8C88FAF25C4D}"/>
+              </a:ext>
+            </a:extLst>
+          </p:cNvPr>
+          <p:cNvSpPr>
+            <a:spLocks noGrp="1"/>
+          </p:cNvSpPr>
+          <p:nvPr>
+            <p:ph type="dt" sz="half" idx="10"/>
+          </p:nvPr>
+        </p:nvSpPr>
+        <p:spPr/>
+        <p:txBody>
+          <a:bodyPr/>
+          <a:lstStyle/>
+          <a:p>
+            <a:fld id="{29AD3178-32B3-473A-B5E7-951DBCB29A4E}" type="datetime1">
+              <a:rPr lang="en-US" smtClean="0"/>
+              <a:t>12/27/2020</a:t>
+            </a:fld>
+            <a:endParaRPr lang="en-US"/>
+          </a:p>
+        </p:txBody>
+      </p:sp>
+      <p:sp>
+        <p:nvSpPr>
+          <p:cNvPr id="5" name="Slide Number Placeholder 4">
+            <a:extLst>
+              <a:ext uri="{FF2B5EF4-FFF2-40B4-BE49-F238E27FC236}">
+                <a16:creationId xmlns:a16="http://schemas.microsoft.com/office/drawing/2014/main" id="{88548BB9-64F6-4A20-A50A-89D5EDD12592}"/>
+              </a:ext>
+            </a:extLst>
+          </p:cNvPr>
+          <p:cNvSpPr>
+            <a:spLocks noGrp="1"/>
+          </p:cNvSpPr>
+          <p:nvPr>
+            <p:ph type="sldNum" sz="quarter" idx="12"/>
+          </p:nvPr>
+        </p:nvSpPr>
+        <p:spPr/>
+        <p:txBody>
+          <a:bodyPr/>
+          <a:lstStyle/>
+          <a:p>
+            <a:fld id="{8A7A6979-0714-4377-B894-6BE4C2D6E202}" type="slidenum">
+              <a:rPr lang="en-US" smtClean="0"/>
+              <a:pPr/>
+              <a:t>20</a:t>
+            </a:fld>
+            <a:endParaRPr lang="en-US"/>
+          </a:p>
+        </p:txBody>
+      </p:sp>
+    </p:spTree>
+    <p:extLst>
+      <p:ext uri="{BB962C8B-B14F-4D97-AF65-F5344CB8AC3E}">
+        <p14:creationId xmlns:p14="http://schemas.microsoft.com/office/powerpoint/2010/main" val="508117067"/>
       </p:ext>
     </p:extLst>
   </p:cSld>
@@ -10972,7 +11857,7 @@
           <a:p>
             <a:fld id="{29AD3178-32B3-473A-B5E7-951DBCB29A4E}" type="datetime1">
               <a:rPr lang="en-US" smtClean="0"/>
-              <a:t>12/25/2020</a:t>
+              <a:t>12/27/2020</a:t>
             </a:fld>
             <a:endParaRPr lang="en-US"/>
           </a:p>
@@ -11062,10 +11947,38 @@
           <a:lstStyle/>
           <a:p>
             <a:r>
-              <a:rPr lang="en-US"/>
-              <a:t>1. Tổng quan hệ thống</a:t>
-            </a:r>
-            <a:endParaRPr lang="vi-VN"/>
+              <a:rPr lang="en-US" dirty="0"/>
+              <a:t>2. </a:t>
+            </a:r>
+            <a:r>
+              <a:rPr lang="en-US" dirty="0" err="1"/>
+              <a:t>Tổng</a:t>
+            </a:r>
+            <a:r>
+              <a:rPr lang="en-US" dirty="0"/>
+              <a:t> </a:t>
+            </a:r>
+            <a:r>
+              <a:rPr lang="en-US" dirty="0" err="1"/>
+              <a:t>quan</a:t>
+            </a:r>
+            <a:r>
+              <a:rPr lang="en-US" dirty="0"/>
+              <a:t> </a:t>
+            </a:r>
+            <a:r>
+              <a:rPr lang="en-US" dirty="0" err="1"/>
+              <a:t>hệ</a:t>
+            </a:r>
+            <a:r>
+              <a:rPr lang="en-US" dirty="0"/>
+              <a:t> </a:t>
+            </a:r>
+            <a:r>
+              <a:rPr lang="en-US" dirty="0" err="1"/>
+              <a:t>thống</a:t>
+            </a:r>
+            <a:endParaRPr lang="vi-VN" dirty="0"/>
           </a:p>
         </p:txBody>
       </p:sp>
@@ -11386,7 +12299,7 @@
           <a:p>
             <a:fld id="{29AD3178-32B3-473A-B5E7-951DBCB29A4E}" type="datetime1">
               <a:rPr lang="en-US" smtClean="0"/>
-              <a:t>12/25/2020</a:t>
+              <a:t>12/27/2020</a:t>
             </a:fld>
             <a:endParaRPr lang="en-US"/>
           </a:p>
@@ -11505,8 +12418,48 @@
           <a:lstStyle/>
           <a:p>
             <a:r>
-              <a:rPr lang="en-US"/>
-              <a:t>1. Tổng quan hệ thống (tiếp)</a:t>
+              <a:rPr lang="en-US" dirty="0"/>
+              <a:t>2. </a:t>
+            </a:r>
+            <a:r>
+              <a:rPr lang="en-US" dirty="0" err="1"/>
+              <a:t>Tổng</a:t>
+            </a:r>
+            <a:r>
+              <a:rPr lang="en-US" dirty="0"/>
+              <a:t> </a:t>
+            </a:r>
+            <a:r>
+              <a:rPr lang="en-US" dirty="0" err="1"/>
+              <a:t>quan</a:t>
+            </a:r>
+            <a:r>
+              <a:rPr lang="en-US" dirty="0"/>
+              <a:t> </a:t>
+            </a:r>
+            <a:r>
+              <a:rPr lang="en-US" dirty="0" err="1"/>
+              <a:t>hệ</a:t>
+            </a:r>
+            <a:r>
+              <a:rPr lang="en-US" dirty="0"/>
+              <a:t> </a:t>
+            </a:r>
+            <a:r>
+              <a:rPr lang="en-US" dirty="0" err="1"/>
+              <a:t>thống</a:t>
+            </a:r>
+            <a:r>
+              <a:rPr lang="en-US" dirty="0"/>
+              <a:t> (</a:t>
+            </a:r>
+            <a:r>
+              <a:rPr lang="en-US" dirty="0" err="1"/>
+              <a:t>tiếp</a:t>
+            </a:r>
+            <a:r>
+              <a:rPr lang="en-US" dirty="0"/>
+              <a:t>)</a:t>
             </a:r>
           </a:p>
         </p:txBody>
@@ -11593,7 +12546,7 @@
           <a:p>
             <a:fld id="{0A261875-08B9-4162-8E30-E7310EE287DB}" type="datetime1">
               <a:rPr lang="en-US" smtClean="0"/>
-              <a:t>12/25/2020</a:t>
+              <a:t>12/27/2020</a:t>
             </a:fld>
             <a:endParaRPr lang="en-US"/>
           </a:p>
@@ -12355,70 +13308,70 @@
           <a:lstStyle/>
           <a:p>
             <a:r>
-              <a:rPr lang="en-US"/>
-              <a:t>2. Thu </a:t>
-            </a:r>
-            <a:r>
-              <a:rPr lang="en-US" err="1"/>
+              <a:rPr lang="en-US" dirty="0"/>
+              <a:t>3. Thu </a:t>
+            </a:r>
+            <a:r>
+              <a:rPr lang="en-US" dirty="0" err="1"/>
               <a:t>thập</a:t>
             </a:r>
             <a:r>
-              <a:rPr lang="en-US"/>
+              <a:rPr lang="en-US" dirty="0"/>
               <a:t>, </a:t>
             </a:r>
             <a:r>
-              <a:rPr lang="en-US" err="1"/>
+              <a:rPr lang="en-US" dirty="0" err="1"/>
               <a:t>xử</a:t>
             </a:r>
             <a:r>
-              <a:rPr lang="en-US"/>
-              <a:t> </a:t>
-            </a:r>
-            <a:r>
-              <a:rPr lang="en-US" err="1"/>
+              <a:rPr lang="en-US" dirty="0"/>
+              <a:t> </a:t>
+            </a:r>
+            <a:r>
+              <a:rPr lang="en-US" dirty="0" err="1"/>
               <a:t>lý</a:t>
             </a:r>
             <a:r>
-              <a:rPr lang="en-US"/>
-              <a:t> </a:t>
-            </a:r>
-            <a:r>
-              <a:rPr lang="en-US" err="1"/>
+              <a:rPr lang="en-US" dirty="0"/>
+              <a:t> </a:t>
+            </a:r>
+            <a:r>
+              <a:rPr lang="en-US" dirty="0" err="1"/>
               <a:t>và</a:t>
             </a:r>
             <a:r>
-              <a:rPr lang="en-US"/>
+              <a:rPr lang="en-US" dirty="0"/>
               <a:t> l</a:t>
             </a:r>
             <a:r>
-              <a:rPr lang="vi-VN"/>
+              <a:rPr lang="vi-VN" dirty="0"/>
               <a:t>ư</a:t>
             </a:r>
             <a:r>
-              <a:rPr lang="en-US"/>
+              <a:rPr lang="en-US" dirty="0"/>
               <a:t>u </a:t>
             </a:r>
             <a:r>
-              <a:rPr lang="en-US" err="1"/>
+              <a:rPr lang="en-US" dirty="0" err="1"/>
               <a:t>trữ</a:t>
             </a:r>
             <a:r>
-              <a:rPr lang="en-US"/>
-              <a:t> </a:t>
-            </a:r>
-            <a:r>
-              <a:rPr lang="en-US" err="1"/>
+              <a:rPr lang="en-US" dirty="0"/>
+              <a:t> </a:t>
+            </a:r>
+            <a:r>
+              <a:rPr lang="en-US" dirty="0" err="1"/>
               <a:t>dữ</a:t>
             </a:r>
             <a:r>
-              <a:rPr lang="en-US"/>
-              <a:t> </a:t>
-            </a:r>
-            <a:r>
-              <a:rPr lang="en-US" err="1"/>
+              <a:rPr lang="en-US" dirty="0"/>
+              <a:t> </a:t>
+            </a:r>
+            <a:r>
+              <a:rPr lang="en-US" dirty="0" err="1"/>
               <a:t>liệu</a:t>
             </a:r>
-            <a:endParaRPr lang="en-US"/>
+            <a:endParaRPr lang="en-US" dirty="0"/>
           </a:p>
         </p:txBody>
       </p:sp>
@@ -12474,7 +13427,7 @@
           <a:p>
             <a:fld id="{E3695BE4-B744-4AEB-AD65-F48EA43E7529}" type="datetime1">
               <a:rPr lang="en-US" smtClean="0"/>
-              <a:t>12/25/2020</a:t>
+              <a:t>12/27/2020</a:t>
             </a:fld>
             <a:endParaRPr lang="en-US"/>
           </a:p>
@@ -12657,16 +13610,80 @@
           <a:lstStyle/>
           <a:p>
             <a:r>
-              <a:rPr lang="en-US"/>
-              <a:t>2. Thu thập, xử lý và l</a:t>
-            </a:r>
-            <a:r>
-              <a:rPr lang="vi-VN"/>
+              <a:rPr lang="en-US" dirty="0"/>
+              <a:t>3. Thu </a:t>
+            </a:r>
+            <a:r>
+              <a:rPr lang="en-US" dirty="0" err="1"/>
+              <a:t>thập</a:t>
+            </a:r>
+            <a:r>
+              <a:rPr lang="en-US" dirty="0"/>
+              <a:t>, </a:t>
+            </a:r>
+            <a:r>
+              <a:rPr lang="en-US" dirty="0" err="1"/>
+              <a:t>xử</a:t>
+            </a:r>
+            <a:r>
+              <a:rPr lang="en-US" dirty="0"/>
+              <a:t> </a:t>
+            </a:r>
+            <a:r>
+              <a:rPr lang="en-US" dirty="0" err="1"/>
+              <a:t>lý</a:t>
+            </a:r>
+            <a:r>
+              <a:rPr lang="en-US" dirty="0"/>
+              <a:t> </a:t>
+            </a:r>
+            <a:r>
+              <a:rPr lang="en-US" dirty="0" err="1"/>
+              <a:t>và</a:t>
+            </a:r>
+            <a:r>
+              <a:rPr lang="en-US" dirty="0"/>
+              <a:t> l</a:t>
+            </a:r>
+            <a:r>
+              <a:rPr lang="vi-VN" dirty="0"/>
               <a:t>ư</a:t>
             </a:r>
             <a:r>
-              <a:rPr lang="en-US"/>
-              <a:t>u trữ dữ liệu (tiếp)</a:t>
+              <a:rPr lang="en-US" dirty="0"/>
+              <a:t>u </a:t>
+            </a:r>
+            <a:r>
+              <a:rPr lang="en-US" dirty="0" err="1"/>
+              <a:t>trữ</a:t>
+            </a:r>
+            <a:r>
+              <a:rPr lang="en-US" dirty="0"/>
+              <a:t> </a:t>
+            </a:r>
+            <a:r>
+              <a:rPr lang="en-US" dirty="0" err="1"/>
+              <a:t>dữ</a:t>
+            </a:r>
+            <a:r>
+              <a:rPr lang="en-US" dirty="0"/>
+              <a:t> </a:t>
+            </a:r>
+            <a:r>
+              <a:rPr lang="en-US" dirty="0" err="1"/>
+              <a:t>liệu</a:t>
+            </a:r>
+            <a:r>
+              <a:rPr lang="en-US" dirty="0"/>
+              <a:t> (</a:t>
+            </a:r>
+            <a:r>
+              <a:rPr lang="en-US" dirty="0" err="1"/>
+              <a:t>tiếp</a:t>
+            </a:r>
+            <a:r>
+              <a:rPr lang="en-US" dirty="0"/>
+              <a:t>)</a:t>
             </a:r>
           </a:p>
         </p:txBody>
@@ -12947,7 +13964,7 @@
           <a:p>
             <a:fld id="{E3695BE4-B744-4AEB-AD65-F48EA43E7529}" type="datetime1">
               <a:rPr lang="en-US" smtClean="0"/>
-              <a:t>12/25/2020</a:t>
+              <a:t>12/27/2020</a:t>
             </a:fld>
             <a:endParaRPr lang="en-US"/>
           </a:p>
@@ -13163,79 +14180,79 @@
           <a:lstStyle/>
           <a:p>
             <a:r>
-              <a:rPr lang="en-US"/>
-              <a:t>2. Thu </a:t>
-            </a:r>
-            <a:r>
-              <a:rPr lang="en-US" err="1"/>
+              <a:rPr lang="en-US" dirty="0"/>
+              <a:t>3. Thu </a:t>
+            </a:r>
+            <a:r>
+              <a:rPr lang="en-US" dirty="0" err="1"/>
               <a:t>thập</a:t>
             </a:r>
             <a:r>
-              <a:rPr lang="en-US"/>
+              <a:rPr lang="en-US" dirty="0"/>
               <a:t>, </a:t>
             </a:r>
             <a:r>
-              <a:rPr lang="en-US" err="1"/>
+              <a:rPr lang="en-US" dirty="0" err="1"/>
               <a:t>xử</a:t>
             </a:r>
             <a:r>
-              <a:rPr lang="en-US"/>
-              <a:t> </a:t>
-            </a:r>
-            <a:r>
-              <a:rPr lang="en-US" err="1"/>
+              <a:rPr lang="en-US" dirty="0"/>
+              <a:t> </a:t>
+            </a:r>
+            <a:r>
+              <a:rPr lang="en-US" dirty="0" err="1"/>
               <a:t>lý</a:t>
             </a:r>
             <a:r>
-              <a:rPr lang="en-US"/>
-              <a:t> </a:t>
-            </a:r>
-            <a:r>
-              <a:rPr lang="en-US" err="1"/>
+              <a:rPr lang="en-US" dirty="0"/>
+              <a:t> </a:t>
+            </a:r>
+            <a:r>
+              <a:rPr lang="en-US" dirty="0" err="1"/>
               <a:t>và</a:t>
             </a:r>
             <a:r>
-              <a:rPr lang="en-US"/>
+              <a:rPr lang="en-US" dirty="0"/>
               <a:t> l</a:t>
             </a:r>
             <a:r>
-              <a:rPr lang="vi-VN"/>
+              <a:rPr lang="vi-VN" dirty="0"/>
               <a:t>ư</a:t>
             </a:r>
             <a:r>
-              <a:rPr lang="en-US"/>
+              <a:rPr lang="en-US" dirty="0"/>
               <a:t>u </a:t>
             </a:r>
             <a:r>
-              <a:rPr lang="en-US" err="1"/>
+              <a:rPr lang="en-US" dirty="0" err="1"/>
               <a:t>trữ</a:t>
             </a:r>
             <a:r>
-              <a:rPr lang="en-US"/>
-              <a:t> </a:t>
-            </a:r>
-            <a:r>
-              <a:rPr lang="en-US" err="1"/>
+              <a:rPr lang="en-US" dirty="0"/>
+              <a:t> </a:t>
+            </a:r>
+            <a:r>
+              <a:rPr lang="en-US" dirty="0" err="1"/>
               <a:t>dữ</a:t>
             </a:r>
             <a:r>
-              <a:rPr lang="en-US"/>
-              <a:t> </a:t>
-            </a:r>
-            <a:r>
-              <a:rPr lang="en-US" err="1"/>
+              <a:rPr lang="en-US" dirty="0"/>
+              <a:t> </a:t>
+            </a:r>
+            <a:r>
+              <a:rPr lang="en-US" dirty="0" err="1"/>
               <a:t>liệu</a:t>
             </a:r>
             <a:r>
-              <a:rPr lang="en-US"/>
+              <a:rPr lang="en-US" dirty="0"/>
               <a:t> (</a:t>
             </a:r>
             <a:r>
-              <a:rPr lang="en-US" err="1"/>
+              <a:rPr lang="en-US" dirty="0" err="1"/>
               <a:t>tiếp</a:t>
             </a:r>
             <a:r>
-              <a:rPr lang="en-US"/>
+              <a:rPr lang="en-US" dirty="0"/>
               <a:t>)</a:t>
             </a:r>
           </a:p>
@@ -13342,7 +14359,7 @@
           <a:p>
             <a:fld id="{E3695BE4-B744-4AEB-AD65-F48EA43E7529}" type="datetime1">
               <a:rPr lang="en-US" smtClean="0"/>
-              <a:t>12/25/2020</a:t>
+              <a:t>12/27/2020</a:t>
             </a:fld>
             <a:endParaRPr lang="en-US"/>
           </a:p>
@@ -14169,7 +15186,7 @@
           <a:p>
             <a:fld id="{E3695BE4-B744-4AEB-AD65-F48EA43E7529}" type="datetime1">
               <a:rPr lang="en-US" smtClean="0"/>
-              <a:t>12/25/2020</a:t>
+              <a:t>12/27/2020</a:t>
             </a:fld>
             <a:endParaRPr lang="en-US"/>
           </a:p>
@@ -14279,79 +15296,79 @@
           <a:lstStyle/>
           <a:p>
             <a:r>
-              <a:rPr lang="en-US"/>
-              <a:t>2. Thu </a:t>
-            </a:r>
-            <a:r>
-              <a:rPr lang="en-US" err="1"/>
+              <a:rPr lang="en-US" dirty="0"/>
+              <a:t>3. Thu </a:t>
+            </a:r>
+            <a:r>
+              <a:rPr lang="en-US" dirty="0" err="1"/>
               <a:t>thập</a:t>
             </a:r>
             <a:r>
-              <a:rPr lang="en-US"/>
+              <a:rPr lang="en-US" dirty="0"/>
               <a:t>, </a:t>
             </a:r>
             <a:r>
-              <a:rPr lang="en-US" err="1"/>
+              <a:rPr lang="en-US" dirty="0" err="1"/>
               <a:t>xử</a:t>
             </a:r>
             <a:r>
-              <a:rPr lang="en-US"/>
-              <a:t> </a:t>
-            </a:r>
-            <a:r>
-              <a:rPr lang="en-US" err="1"/>
+              <a:rPr lang="en-US" dirty="0"/>
+              <a:t> </a:t>
+            </a:r>
+            <a:r>
+              <a:rPr lang="en-US" dirty="0" err="1"/>
               <a:t>lý</a:t>
             </a:r>
             <a:r>
-              <a:rPr lang="en-US"/>
-              <a:t> </a:t>
-            </a:r>
-            <a:r>
-              <a:rPr lang="en-US" err="1"/>
+              <a:rPr lang="en-US" dirty="0"/>
+              <a:t> </a:t>
+            </a:r>
+            <a:r>
+              <a:rPr lang="en-US" dirty="0" err="1"/>
               <a:t>và</a:t>
             </a:r>
             <a:r>
-              <a:rPr lang="en-US"/>
+              <a:rPr lang="en-US" dirty="0"/>
               <a:t> l</a:t>
             </a:r>
             <a:r>
-              <a:rPr lang="vi-VN"/>
+              <a:rPr lang="vi-VN" dirty="0"/>
               <a:t>ư</a:t>
             </a:r>
             <a:r>
-              <a:rPr lang="en-US"/>
+              <a:rPr lang="en-US" dirty="0"/>
               <a:t>u </a:t>
             </a:r>
             <a:r>
-              <a:rPr lang="en-US" err="1"/>
+              <a:rPr lang="en-US" dirty="0" err="1"/>
               <a:t>trữ</a:t>
             </a:r>
             <a:r>
-              <a:rPr lang="en-US"/>
-              <a:t> </a:t>
-            </a:r>
-            <a:r>
-              <a:rPr lang="en-US" err="1"/>
+              <a:rPr lang="en-US" dirty="0"/>
+              <a:t> </a:t>
+            </a:r>
+            <a:r>
+              <a:rPr lang="en-US" dirty="0" err="1"/>
               <a:t>dữ</a:t>
             </a:r>
             <a:r>
-              <a:rPr lang="en-US"/>
-              <a:t> </a:t>
-            </a:r>
-            <a:r>
-              <a:rPr lang="en-US" err="1"/>
+              <a:rPr lang="en-US" dirty="0"/>
+              <a:t> </a:t>
+            </a:r>
+            <a:r>
+              <a:rPr lang="en-US" dirty="0" err="1"/>
               <a:t>liệu</a:t>
             </a:r>
             <a:r>
-              <a:rPr lang="en-US"/>
+              <a:rPr lang="en-US" dirty="0"/>
               <a:t> (</a:t>
             </a:r>
             <a:r>
-              <a:rPr lang="en-US" err="1"/>
+              <a:rPr lang="en-US" dirty="0" err="1"/>
               <a:t>tiếp</a:t>
             </a:r>
             <a:r>
-              <a:rPr lang="en-US"/>
+              <a:rPr lang="en-US" dirty="0"/>
               <a:t>)</a:t>
             </a:r>
           </a:p>

--- a/report/docs/Thu thập và xử lý bài báo.pptx
+++ b/report/docs/Thu thập và xử lý bài báo.pptx
@@ -7906,66 +7906,98 @@
           <a:p>
             <a:pPr lvl="1"/>
             <a:r>
-              <a:rPr lang="en-US" dirty="0" err="1">
-                <a:highlight>
-                  <a:srgbClr val="FFFF00"/>
-                </a:highlight>
-              </a:rPr>
+              <a:rPr lang="en-US" dirty="0" err="1"/>
               <a:t>Thời</a:t>
             </a:r>
             <a:r>
-              <a:rPr lang="en-US" dirty="0">
-                <a:highlight>
-                  <a:srgbClr val="FFFF00"/>
-                </a:highlight>
-              </a:rPr>
-              <a:t> </a:t>
-            </a:r>
-            <a:r>
-              <a:rPr lang="en-US" dirty="0" err="1">
-                <a:highlight>
-                  <a:srgbClr val="FFFF00"/>
-                </a:highlight>
-              </a:rPr>
+              <a:rPr lang="en-US" dirty="0"/>
+              <a:t> </a:t>
+            </a:r>
+            <a:r>
+              <a:rPr lang="en-US" dirty="0" err="1"/>
               <a:t>gian</a:t>
             </a:r>
             <a:r>
-              <a:rPr lang="en-US" dirty="0">
-                <a:highlight>
-                  <a:srgbClr val="FFFF00"/>
-                </a:highlight>
-              </a:rPr>
-              <a:t> </a:t>
-            </a:r>
-            <a:r>
-              <a:rPr lang="en-US" dirty="0" err="1">
-                <a:highlight>
-                  <a:srgbClr val="FFFF00"/>
-                </a:highlight>
-              </a:rPr>
+              <a:rPr lang="en-US" dirty="0"/>
+              <a:t> </a:t>
+            </a:r>
+            <a:r>
+              <a:rPr lang="en-US" dirty="0" err="1"/>
+              <a:t>tiền</a:t>
+            </a:r>
+            <a:r>
+              <a:rPr lang="en-US" dirty="0"/>
+              <a:t> </a:t>
+            </a:r>
+            <a:r>
+              <a:rPr lang="en-US" dirty="0" err="1"/>
               <a:t>xử</a:t>
             </a:r>
             <a:r>
-              <a:rPr lang="en-US" dirty="0">
-                <a:highlight>
-                  <a:srgbClr val="FFFF00"/>
-                </a:highlight>
-              </a:rPr>
-              <a:t> </a:t>
-            </a:r>
-            <a:r>
-              <a:rPr lang="en-US" dirty="0" err="1">
-                <a:highlight>
-                  <a:srgbClr val="FFFF00"/>
-                </a:highlight>
-              </a:rPr>
+              <a:rPr lang="en-US" dirty="0"/>
+              <a:t> </a:t>
+            </a:r>
+            <a:r>
+              <a:rPr lang="en-US" dirty="0" err="1"/>
               <a:t>lý</a:t>
             </a:r>
-            <a:endParaRPr lang="en-US" dirty="0">
-              <a:highlight>
-                <a:srgbClr val="FFFF00"/>
-              </a:highlight>
-            </a:endParaRPr>
+            <a:r>
+              <a:rPr lang="en-US" dirty="0"/>
+              <a:t>: 40 </a:t>
+            </a:r>
+            <a:r>
+              <a:rPr lang="en-US" dirty="0" err="1"/>
+              <a:t>phút</a:t>
+            </a:r>
+            <a:endParaRPr lang="en-US" dirty="0"/>
+          </a:p>
+          <a:p>
+            <a:pPr lvl="1"/>
+            <a:r>
+              <a:rPr lang="en-US" dirty="0" err="1"/>
+              <a:t>Thời</a:t>
+            </a:r>
+            <a:r>
+              <a:rPr lang="en-US" dirty="0"/>
+              <a:t> </a:t>
+            </a:r>
+            <a:r>
+              <a:rPr lang="en-US" dirty="0" err="1"/>
+              <a:t>gian</a:t>
+            </a:r>
+            <a:r>
+              <a:rPr lang="en-US" dirty="0"/>
+              <a:t> training model: 35 </a:t>
+            </a:r>
+            <a:r>
+              <a:rPr lang="en-US" dirty="0" err="1"/>
+              <a:t>phút</a:t>
+            </a:r>
+            <a:endParaRPr lang="en-US" dirty="0"/>
+          </a:p>
+          <a:p>
+            <a:pPr lvl="1"/>
+            <a:r>
+              <a:rPr lang="en-US" dirty="0" err="1"/>
+              <a:t>Thời</a:t>
+            </a:r>
+            <a:r>
+              <a:rPr lang="en-US" dirty="0"/>
+              <a:t> </a:t>
+            </a:r>
+            <a:r>
+              <a:rPr lang="en-US" dirty="0" err="1"/>
+              <a:t>gian</a:t>
+            </a:r>
+            <a:r>
+              <a:rPr lang="en-US" dirty="0"/>
+              <a:t> test: 9 </a:t>
+            </a:r>
+            <a:r>
+              <a:rPr lang="en-US" dirty="0" err="1"/>
+              <a:t>phút</a:t>
+            </a:r>
+            <a:endParaRPr lang="en-US" dirty="0"/>
           </a:p>
           <a:p>
             <a:pPr lvl="1"/>
@@ -16372,6 +16404,15 @@
 </file>
 
 <file path=customXml/item1.xml><?xml version="1.0" encoding="utf-8"?>
+<?mso-contentType ?>
+<FormTemplates xmlns="http://schemas.microsoft.com/sharepoint/v3/contenttype/forms">
+  <Display>DocumentLibraryForm</Display>
+  <Edit>DocumentLibraryForm</Edit>
+  <New>DocumentLibraryForm</New>
+</FormTemplates>
+</file>
+
+<file path=customXml/item2.xml><?xml version="1.0" encoding="utf-8"?>
 <ct:contentTypeSchema xmlns:ct="http://schemas.microsoft.com/office/2006/metadata/contentType" xmlns:ma="http://schemas.microsoft.com/office/2006/metadata/properties/metaAttributes" ct:_="" ma:_="" ma:contentTypeName="Document" ma:contentTypeID="0x010100E006BDD6C0BB2642B22F92766D2279A6" ma:contentTypeVersion="2" ma:contentTypeDescription="Create a new document." ma:contentTypeScope="" ma:versionID="3634e4103e20403531129129832b12c3">
   <xsd:schema xmlns:xsd="http://www.w3.org/2001/XMLSchema" xmlns:xs="http://www.w3.org/2001/XMLSchema" xmlns:p="http://schemas.microsoft.com/office/2006/metadata/properties" xmlns:ns3="23c1be91-8e8f-464b-8798-90014cc9a5f7" targetNamespace="http://schemas.microsoft.com/office/2006/metadata/properties" ma:root="true" ma:fieldsID="4dd5e5098d7874cdf1274beb1261b2d0" ns3:_="">
     <xsd:import namespace="23c1be91-8e8f-464b-8798-90014cc9a5f7"/>
@@ -16503,15 +16544,6 @@
 </ct:contentTypeSchema>
 </file>
 
-<file path=customXml/item2.xml><?xml version="1.0" encoding="utf-8"?>
-<?mso-contentType ?>
-<FormTemplates xmlns="http://schemas.microsoft.com/sharepoint/v3/contenttype/forms">
-  <Display>DocumentLibraryForm</Display>
-  <Edit>DocumentLibraryForm</Edit>
-  <New>DocumentLibraryForm</New>
-</FormTemplates>
-</file>
-
 <file path=customXml/item3.xml><?xml version="1.0" encoding="utf-8"?>
 <p:properties xmlns:p="http://schemas.microsoft.com/office/2006/metadata/properties" xmlns:xsi="http://www.w3.org/2001/XMLSchema-instance" xmlns:pc="http://schemas.microsoft.com/office/infopath/2007/PartnerControls">
   <documentManagement/>
@@ -16519,6 +16551,14 @@
 </file>
 
 <file path=customXml/itemProps1.xml><?xml version="1.0" encoding="utf-8"?>
+<ds:datastoreItem xmlns:ds="http://schemas.openxmlformats.org/officeDocument/2006/customXml" ds:itemID="{55DA405E-7F2C-41E1-A06B-144015CD7E0E}">
+  <ds:schemaRefs>
+    <ds:schemaRef ds:uri="http://schemas.microsoft.com/sharepoint/v3/contenttype/forms"/>
+  </ds:schemaRefs>
+</ds:datastoreItem>
+</file>
+
+<file path=customXml/itemProps2.xml><?xml version="1.0" encoding="utf-8"?>
 <ds:datastoreItem xmlns:ds="http://schemas.openxmlformats.org/officeDocument/2006/customXml" ds:itemID="{146DE79D-BCBE-4A15-BC52-226D341D048A}">
   <ds:schemaRefs>
     <ds:schemaRef ds:uri="23c1be91-8e8f-464b-8798-90014cc9a5f7"/>
@@ -16532,14 +16572,6 @@
     <ds:schemaRef ds:uri="http://schemas.microsoft.com/office/infopath/2007/PartnerControls"/>
     <ds:schemaRef ds:uri="http://schemas.openxmlformats.org/package/2006/metadata/core-properties"/>
     <ds:schemaRef ds:uri="http://www.w3.org/2001/XMLSchema"/>
-  </ds:schemaRefs>
-</ds:datastoreItem>
-</file>
-
-<file path=customXml/itemProps2.xml><?xml version="1.0" encoding="utf-8"?>
-<ds:datastoreItem xmlns:ds="http://schemas.openxmlformats.org/officeDocument/2006/customXml" ds:itemID="{55DA405E-7F2C-41E1-A06B-144015CD7E0E}">
-  <ds:schemaRefs>
-    <ds:schemaRef ds:uri="http://schemas.microsoft.com/sharepoint/v3/contenttype/forms"/>
   </ds:schemaRefs>
 </ds:datastoreItem>
 </file>
